--- a/MentOS - Introduzione.pptx
+++ b/MentOS - Introduzione.pptx
@@ -133,6 +133,7 @@
 <p1510:revInfo xmlns:a="http://schemas.openxmlformats.org/drawingml/2006/main" xmlns:r="http://schemas.openxmlformats.org/officeDocument/2006/relationships" xmlns:p1510="http://schemas.microsoft.com/office/powerpoint/2015/10/main">
   <p1510:revLst>
     <p1510:client id="{007F0052-D830-4956-BA51-9334826F1F64}" v="3" dt="2023-08-20T16:05:36.923"/>
+    <p1510:client id="{C34BCE00-AF43-4556-85D1-277DD52998D2}" v="4" dt="2023-08-21T18:14:37.631"/>
     <p1510:client id="{F454780C-B1ED-42C0-86DB-50F9F77A1214}" v="967" dt="2023-08-20T16:00:38.027"/>
   </p1510:revLst>
 </p1510:revInfo>
@@ -3418,7 +3419,7 @@
           <a:p>
             <a:fld id="{52A8C91D-1C30-49A1-B6C0-B2A9BC12C44C}" type="datetimeFigureOut">
               <a:rPr lang="it-IT" smtClean="0"/>
-              <a:t>20/08/2023</a:t>
+              <a:t>21/08/2023</a:t>
             </a:fld>
             <a:endParaRPr lang="it-IT"/>
           </a:p>
@@ -3596,7 +3597,7 @@
           <a:p>
             <a:fld id="{7CFB70B6-FB36-47A1-936C-90CB98895F23}" type="datetimeFigureOut">
               <a:rPr lang="it-IT" noProof="0" smtClean="0"/>
-              <a:t>20/08/2023</a:t>
+              <a:t>21/08/2023</a:t>
             </a:fld>
             <a:endParaRPr lang="it-IT" noProof="0"/>
           </a:p>
@@ -4276,7 +4277,7 @@
             <a:fld id="{B61BEF0D-F0BB-DE4B-95CE-6DB70DBA9567}" type="datetimeFigureOut">
               <a:rPr lang="en-US" dirty="0"/>
               <a:pPr/>
-              <a:t>8/20/2023</a:t>
+              <a:t>8/21/2023</a:t>
             </a:fld>
             <a:endParaRPr lang="en-US" dirty="0"/>
           </a:p>
@@ -4538,7 +4539,7 @@
             <a:fld id="{B61BEF0D-F0BB-DE4B-95CE-6DB70DBA9567}" type="datetimeFigureOut">
               <a:rPr lang="en-US" dirty="0"/>
               <a:pPr/>
-              <a:t>8/20/2023</a:t>
+              <a:t>8/21/2023</a:t>
             </a:fld>
             <a:endParaRPr lang="en-US" dirty="0"/>
           </a:p>
@@ -4773,7 +4774,7 @@
             <a:fld id="{B61BEF0D-F0BB-DE4B-95CE-6DB70DBA9567}" type="datetimeFigureOut">
               <a:rPr lang="en-US" dirty="0"/>
               <a:pPr/>
-              <a:t>8/20/2023</a:t>
+              <a:t>8/21/2023</a:t>
             </a:fld>
             <a:endParaRPr lang="en-US" dirty="0"/>
           </a:p>
@@ -5013,7 +5014,7 @@
             <a:fld id="{B61BEF0D-F0BB-DE4B-95CE-6DB70DBA9567}" type="datetimeFigureOut">
               <a:rPr lang="en-US" dirty="0"/>
               <a:pPr/>
-              <a:t>8/20/2023</a:t>
+              <a:t>8/21/2023</a:t>
             </a:fld>
             <a:endParaRPr lang="en-US" dirty="0"/>
           </a:p>
@@ -5321,7 +5322,7 @@
             <a:fld id="{B61BEF0D-F0BB-DE4B-95CE-6DB70DBA9567}" type="datetimeFigureOut">
               <a:rPr lang="en-US" dirty="0"/>
               <a:pPr/>
-              <a:t>8/20/2023</a:t>
+              <a:t>8/21/2023</a:t>
             </a:fld>
             <a:endParaRPr lang="en-US" dirty="0"/>
           </a:p>
@@ -5622,7 +5623,7 @@
             <a:fld id="{B61BEF0D-F0BB-DE4B-95CE-6DB70DBA9567}" type="datetimeFigureOut">
               <a:rPr lang="en-US" dirty="0"/>
               <a:pPr/>
-              <a:t>8/20/2023</a:t>
+              <a:t>8/21/2023</a:t>
             </a:fld>
             <a:endParaRPr lang="en-US" dirty="0"/>
           </a:p>
@@ -6043,7 +6044,7 @@
             <a:fld id="{B61BEF0D-F0BB-DE4B-95CE-6DB70DBA9567}" type="datetimeFigureOut">
               <a:rPr lang="en-US" dirty="0"/>
               <a:pPr/>
-              <a:t>8/20/2023</a:t>
+              <a:t>8/21/2023</a:t>
             </a:fld>
             <a:endParaRPr lang="en-US" dirty="0"/>
           </a:p>
@@ -6206,7 +6207,7 @@
             <a:fld id="{B61BEF0D-F0BB-DE4B-95CE-6DB70DBA9567}" type="datetimeFigureOut">
               <a:rPr lang="en-US" dirty="0"/>
               <a:pPr/>
-              <a:t>8/20/2023</a:t>
+              <a:t>8/21/2023</a:t>
             </a:fld>
             <a:endParaRPr lang="en-US" dirty="0"/>
           </a:p>
@@ -6303,7 +6304,7 @@
             <a:fld id="{B61BEF0D-F0BB-DE4B-95CE-6DB70DBA9567}" type="datetimeFigureOut">
               <a:rPr lang="en-US" dirty="0"/>
               <a:pPr/>
-              <a:t>8/20/2023</a:t>
+              <a:t>8/21/2023</a:t>
             </a:fld>
             <a:endParaRPr lang="en-US" dirty="0"/>
           </a:p>
@@ -6681,7 +6682,7 @@
             <a:fld id="{B61BEF0D-F0BB-DE4B-95CE-6DB70DBA9567}" type="datetimeFigureOut">
               <a:rPr lang="en-US" dirty="0"/>
               <a:pPr/>
-              <a:t>8/20/2023</a:t>
+              <a:t>8/21/2023</a:t>
             </a:fld>
             <a:endParaRPr lang="en-US" dirty="0"/>
           </a:p>
@@ -6967,7 +6968,7 @@
             <a:fld id="{B61BEF0D-F0BB-DE4B-95CE-6DB70DBA9567}" type="datetimeFigureOut">
               <a:rPr lang="en-US" dirty="0"/>
               <a:pPr/>
-              <a:t>8/20/2023</a:t>
+              <a:t>8/21/2023</a:t>
             </a:fld>
             <a:endParaRPr lang="en-US" dirty="0"/>
           </a:p>
@@ -7206,7 +7207,7 @@
             <a:fld id="{B61BEF0D-F0BB-DE4B-95CE-6DB70DBA9567}" type="datetimeFigureOut">
               <a:rPr lang="en-US" dirty="0"/>
               <a:pPr/>
-              <a:t>8/20/2023</a:t>
+              <a:t>8/21/2023</a:t>
             </a:fld>
             <a:endParaRPr lang="en-US" dirty="0"/>
           </a:p>
@@ -8080,8 +8081,8 @@
         </p:nvSpPr>
         <p:spPr>
           <a:xfrm>
-            <a:off x="526658" y="1009397"/>
-            <a:ext cx="3533682" cy="4810760"/>
+            <a:off x="535951" y="786372"/>
+            <a:ext cx="3533682" cy="3881492"/>
           </a:xfrm>
         </p:spPr>
         <p:txBody>
@@ -8196,7 +8197,7 @@
         </p:blipFill>
         <p:spPr>
           <a:xfrm>
-            <a:off x="6971323" y="4382477"/>
+            <a:off x="884616" y="4717014"/>
             <a:ext cx="2743200" cy="1219200"/>
           </a:xfrm>
           <a:prstGeom prst="rect">

--- a/MentOS - Introduzione.pptx
+++ b/MentOS - Introduzione.pptx
@@ -133,6 +133,7 @@
 <p1510:revInfo xmlns:a="http://schemas.openxmlformats.org/drawingml/2006/main" xmlns:r="http://schemas.openxmlformats.org/officeDocument/2006/relationships" xmlns:p1510="http://schemas.microsoft.com/office/powerpoint/2015/10/main">
   <p1510:revLst>
     <p1510:client id="{007F0052-D830-4956-BA51-9334826F1F64}" v="3" dt="2023-08-20T16:05:36.923"/>
+    <p1510:client id="{4C54F9EB-1983-4E42-BA90-9A873F83A8B8}" v="179" dt="2023-08-24T20:23:25.139"/>
     <p1510:client id="{C34BCE00-AF43-4556-85D1-277DD52998D2}" v="4" dt="2023-08-21T18:14:37.631"/>
     <p1510:client id="{F454780C-B1ED-42C0-86DB-50F9F77A1214}" v="967" dt="2023-08-20T16:00:38.027"/>
   </p1510:revLst>
@@ -3419,7 +3420,7 @@
           <a:p>
             <a:fld id="{52A8C91D-1C30-49A1-B6C0-B2A9BC12C44C}" type="datetimeFigureOut">
               <a:rPr lang="it-IT" smtClean="0"/>
-              <a:t>21/08/2023</a:t>
+              <a:t>24/08/2023</a:t>
             </a:fld>
             <a:endParaRPr lang="it-IT"/>
           </a:p>
@@ -3597,7 +3598,7 @@
           <a:p>
             <a:fld id="{7CFB70B6-FB36-47A1-936C-90CB98895F23}" type="datetimeFigureOut">
               <a:rPr lang="it-IT" noProof="0" smtClean="0"/>
-              <a:t>21/08/2023</a:t>
+              <a:t>24/08/2023</a:t>
             </a:fld>
             <a:endParaRPr lang="it-IT" noProof="0"/>
           </a:p>
@@ -4277,7 +4278,7 @@
             <a:fld id="{B61BEF0D-F0BB-DE4B-95CE-6DB70DBA9567}" type="datetimeFigureOut">
               <a:rPr lang="en-US" dirty="0"/>
               <a:pPr/>
-              <a:t>8/21/2023</a:t>
+              <a:t>8/24/2023</a:t>
             </a:fld>
             <a:endParaRPr lang="en-US" dirty="0"/>
           </a:p>
@@ -4539,7 +4540,7 @@
             <a:fld id="{B61BEF0D-F0BB-DE4B-95CE-6DB70DBA9567}" type="datetimeFigureOut">
               <a:rPr lang="en-US" dirty="0"/>
               <a:pPr/>
-              <a:t>8/21/2023</a:t>
+              <a:t>8/24/2023</a:t>
             </a:fld>
             <a:endParaRPr lang="en-US" dirty="0"/>
           </a:p>
@@ -4774,7 +4775,7 @@
             <a:fld id="{B61BEF0D-F0BB-DE4B-95CE-6DB70DBA9567}" type="datetimeFigureOut">
               <a:rPr lang="en-US" dirty="0"/>
               <a:pPr/>
-              <a:t>8/21/2023</a:t>
+              <a:t>8/24/2023</a:t>
             </a:fld>
             <a:endParaRPr lang="en-US" dirty="0"/>
           </a:p>
@@ -5014,7 +5015,7 @@
             <a:fld id="{B61BEF0D-F0BB-DE4B-95CE-6DB70DBA9567}" type="datetimeFigureOut">
               <a:rPr lang="en-US" dirty="0"/>
               <a:pPr/>
-              <a:t>8/21/2023</a:t>
+              <a:t>8/24/2023</a:t>
             </a:fld>
             <a:endParaRPr lang="en-US" dirty="0"/>
           </a:p>
@@ -5322,7 +5323,7 @@
             <a:fld id="{B61BEF0D-F0BB-DE4B-95CE-6DB70DBA9567}" type="datetimeFigureOut">
               <a:rPr lang="en-US" dirty="0"/>
               <a:pPr/>
-              <a:t>8/21/2023</a:t>
+              <a:t>8/24/2023</a:t>
             </a:fld>
             <a:endParaRPr lang="en-US" dirty="0"/>
           </a:p>
@@ -5623,7 +5624,7 @@
             <a:fld id="{B61BEF0D-F0BB-DE4B-95CE-6DB70DBA9567}" type="datetimeFigureOut">
               <a:rPr lang="en-US" dirty="0"/>
               <a:pPr/>
-              <a:t>8/21/2023</a:t>
+              <a:t>8/24/2023</a:t>
             </a:fld>
             <a:endParaRPr lang="en-US" dirty="0"/>
           </a:p>
@@ -6044,7 +6045,7 @@
             <a:fld id="{B61BEF0D-F0BB-DE4B-95CE-6DB70DBA9567}" type="datetimeFigureOut">
               <a:rPr lang="en-US" dirty="0"/>
               <a:pPr/>
-              <a:t>8/21/2023</a:t>
+              <a:t>8/24/2023</a:t>
             </a:fld>
             <a:endParaRPr lang="en-US" dirty="0"/>
           </a:p>
@@ -6207,7 +6208,7 @@
             <a:fld id="{B61BEF0D-F0BB-DE4B-95CE-6DB70DBA9567}" type="datetimeFigureOut">
               <a:rPr lang="en-US" dirty="0"/>
               <a:pPr/>
-              <a:t>8/21/2023</a:t>
+              <a:t>8/24/2023</a:t>
             </a:fld>
             <a:endParaRPr lang="en-US" dirty="0"/>
           </a:p>
@@ -6304,7 +6305,7 @@
             <a:fld id="{B61BEF0D-F0BB-DE4B-95CE-6DB70DBA9567}" type="datetimeFigureOut">
               <a:rPr lang="en-US" dirty="0"/>
               <a:pPr/>
-              <a:t>8/21/2023</a:t>
+              <a:t>8/24/2023</a:t>
             </a:fld>
             <a:endParaRPr lang="en-US" dirty="0"/>
           </a:p>
@@ -6682,7 +6683,7 @@
             <a:fld id="{B61BEF0D-F0BB-DE4B-95CE-6DB70DBA9567}" type="datetimeFigureOut">
               <a:rPr lang="en-US" dirty="0"/>
               <a:pPr/>
-              <a:t>8/21/2023</a:t>
+              <a:t>8/24/2023</a:t>
             </a:fld>
             <a:endParaRPr lang="en-US" dirty="0"/>
           </a:p>
@@ -6968,7 +6969,7 @@
             <a:fld id="{B61BEF0D-F0BB-DE4B-95CE-6DB70DBA9567}" type="datetimeFigureOut">
               <a:rPr lang="en-US" dirty="0"/>
               <a:pPr/>
-              <a:t>8/21/2023</a:t>
+              <a:t>8/24/2023</a:t>
             </a:fld>
             <a:endParaRPr lang="en-US" dirty="0"/>
           </a:p>
@@ -7207,7 +7208,7 @@
             <a:fld id="{B61BEF0D-F0BB-DE4B-95CE-6DB70DBA9567}" type="datetimeFigureOut">
               <a:rPr lang="en-US" dirty="0"/>
               <a:pPr/>
-              <a:t>8/21/2023</a:t>
+              <a:t>8/24/2023</a:t>
             </a:fld>
             <a:endParaRPr lang="en-US" dirty="0"/>
           </a:p>
@@ -9626,61 +9627,9 @@
                 <a:ea typeface="+mn-lt"/>
                 <a:cs typeface="+mn-lt"/>
               </a:rPr>
-              <a:t> è attualmente pensato per sistemi single core, ed è quindi privo di funzionalità multicore.</a:t>
+              <a:t> è attualmente pensato per sistemi single core ed è quindi privo di funzionalità multicore.</a:t>
             </a:r>
             <a:endParaRPr lang="it-IT" dirty="0"/>
-          </a:p>
-          <a:p>
-            <a:pPr marL="305435" indent="-305435"/>
-            <a:r>
-              <a:rPr lang="it-IT" dirty="0">
-                <a:ea typeface="+mn-lt"/>
-                <a:cs typeface="+mn-lt"/>
-              </a:rPr>
-              <a:t>È da notare come i meccanismi di sincronizzazione presenti di base in </a:t>
-            </a:r>
-            <a:r>
-              <a:rPr lang="it-IT" dirty="0" err="1">
-                <a:ea typeface="+mn-lt"/>
-                <a:cs typeface="+mn-lt"/>
-              </a:rPr>
-              <a:t>MentOS</a:t>
-            </a:r>
-            <a:r>
-              <a:rPr lang="it-IT" dirty="0">
-                <a:ea typeface="+mn-lt"/>
-                <a:cs typeface="+mn-lt"/>
-              </a:rPr>
-              <a:t> siano ridotti all'osso, essendo presenti solo </a:t>
-            </a:r>
-            <a:r>
-              <a:rPr lang="it-IT" dirty="0" err="1">
-                <a:ea typeface="+mn-lt"/>
-                <a:cs typeface="+mn-lt"/>
-              </a:rPr>
-              <a:t>spinlock</a:t>
-            </a:r>
-            <a:r>
-              <a:rPr lang="it-IT" dirty="0">
-                <a:ea typeface="+mn-lt"/>
-                <a:cs typeface="+mn-lt"/>
-              </a:rPr>
-              <a:t> e </a:t>
-            </a:r>
-            <a:r>
-              <a:rPr lang="it-IT" dirty="0" err="1">
-                <a:ea typeface="+mn-lt"/>
-                <a:cs typeface="+mn-lt"/>
-              </a:rPr>
-              <a:t>mutex</a:t>
-            </a:r>
-            <a:r>
-              <a:rPr lang="it-IT" dirty="0">
-                <a:ea typeface="+mn-lt"/>
-                <a:cs typeface="+mn-lt"/>
-              </a:rPr>
-              <a:t>, e questi ultimi solo abbozzati (si veda le slide relative alla sincronizzazione per la seconda parte del progetto).</a:t>
-            </a:r>
           </a:p>
           <a:p>
             <a:pPr marL="305435" indent="-305435"/>
@@ -9706,8 +9655,81 @@
             </a:r>
             <a:r>
               <a:rPr lang="it-IT" dirty="0"/>
-              <a:t>ma non la loro implementazione</a:t>
-            </a:r>
+              <a:t>ma non la loro implementazione. Tra queste funzionalità "accennate" abbiamo:</a:t>
+            </a:r>
+          </a:p>
+          <a:p>
+            <a:pPr marL="629920" lvl="1" indent="-305435"/>
+            <a:r>
+              <a:rPr lang="it-IT" dirty="0"/>
+              <a:t>L'allocazione della memoria (l'algoritmo </a:t>
+            </a:r>
+            <a:r>
+              <a:rPr lang="it-IT" dirty="0" err="1"/>
+              <a:t>buddy</a:t>
+            </a:r>
+            <a:r>
+              <a:rPr lang="it-IT" dirty="0"/>
+              <a:t> system non è effettivamente implementato nel codice del kernel)</a:t>
+            </a:r>
+          </a:p>
+          <a:p>
+            <a:pPr marL="629920" lvl="1" indent="-305435"/>
+            <a:r>
+              <a:rPr lang="it-IT" dirty="0"/>
+              <a:t>Gli algoritmi di scheduling (l'unico ad essere effettivamente presente è il round </a:t>
+            </a:r>
+            <a:r>
+              <a:rPr lang="it-IT" dirty="0" err="1"/>
+              <a:t>robin</a:t>
+            </a:r>
+            <a:r>
+              <a:rPr lang="it-IT" dirty="0"/>
+              <a:t>)</a:t>
+            </a:r>
+          </a:p>
+          <a:p>
+            <a:pPr marL="629920" lvl="1" indent="-305435"/>
+            <a:r>
+              <a:rPr lang="it-IT" dirty="0"/>
+              <a:t>La sincronizzazione (sono presenti solo </a:t>
+            </a:r>
+            <a:r>
+              <a:rPr lang="it-IT" dirty="0" err="1"/>
+              <a:t>mutex</a:t>
+            </a:r>
+            <a:r>
+              <a:rPr lang="it-IT" dirty="0"/>
+              <a:t>, </a:t>
+            </a:r>
+            <a:r>
+              <a:rPr lang="it-IT" dirty="0" err="1"/>
+              <a:t>spinlock</a:t>
+            </a:r>
+            <a:r>
+              <a:rPr lang="it-IT" dirty="0"/>
+              <a:t> e </a:t>
+            </a:r>
+            <a:r>
+              <a:rPr lang="it-IT" dirty="0" err="1"/>
+              <a:t>wait</a:t>
+            </a:r>
+            <a:r>
+              <a:rPr lang="it-IT" dirty="0"/>
+              <a:t> </a:t>
+            </a:r>
+            <a:r>
+              <a:rPr lang="it-IT" dirty="0" err="1"/>
+              <a:t>queue</a:t>
+            </a:r>
+            <a:r>
+              <a:rPr lang="it-IT" dirty="0"/>
+              <a:t>)</a:t>
+            </a:r>
+          </a:p>
+          <a:p>
+            <a:pPr marL="629920" lvl="1" indent="-305435"/>
+            <a:endParaRPr lang="it-IT" dirty="0"/>
           </a:p>
         </p:txBody>
       </p:sp>

--- a/MentOS - Introduzione.pptx
+++ b/MentOS - Introduzione.pptx
@@ -911,13 +911,16 @@
         <a:lstStyle/>
         <a:p>
           <a:pPr>
+            <a:lnSpc>
+              <a:spcPct val="100000"/>
+            </a:lnSpc>
             <a:defRPr b="1"/>
           </a:pPr>
           <a:r>
-            <a:rPr lang="it-IT"/>
+            <a:rPr lang="it-IT" dirty="0"/>
             <a:t>Sources:</a:t>
           </a:r>
-          <a:endParaRPr lang="en-US"/>
+          <a:endParaRPr lang="en-US" dirty="0"/>
         </a:p>
       </dgm:t>
     </dgm:pt>
@@ -950,21 +953,36 @@
         <a:bodyPr/>
         <a:lstStyle/>
         <a:p>
+          <a:pPr>
+            <a:lnSpc>
+              <a:spcPct val="100000"/>
+            </a:lnSpc>
+          </a:pPr>
           <a:r>
-            <a:rPr lang="it-IT" err="1"/>
+            <a:rPr lang="it-IT" dirty="0" err="1"/>
             <a:t>MentOS</a:t>
           </a:r>
           <a:r>
-            <a:rPr lang="it-IT"/>
+            <a:rPr lang="it-IT" dirty="0"/>
             <a:t>: </a:t>
           </a:r>
           <a:r>
-            <a:rPr lang="it-IT">
-              <a:hlinkClick xmlns:r="http://schemas.openxmlformats.org/officeDocument/2006/relationships" r:id="rId1"/>
+            <a:rPr lang="it-IT" u="sng" dirty="0">
+              <a:latin typeface="Calibri"/>
+              <a:ea typeface="Calibri"/>
+              <a:cs typeface="Calibri"/>
+              <a:hlinkClick xmlns:r="http://schemas.openxmlformats.org/officeDocument/2006/relationships" r:id=""/>
             </a:rPr>
-            <a:t>https://mentos-team.github.io/</a:t>
+            <a:t>https://mentos-team.github.io/doc/doxygen/index.html</a:t>
           </a:r>
-          <a:endParaRPr lang="en-US"/>
+          <a:endParaRPr lang="it-IT" dirty="0">
+            <a:solidFill>
+              <a:srgbClr val="000000"/>
+            </a:solidFill>
+            <a:latin typeface="Calibri"/>
+            <a:ea typeface="Calibri"/>
+            <a:cs typeface="Calibri"/>
+          </a:endParaRPr>
         </a:p>
       </dgm:t>
     </dgm:pt>
@@ -997,17 +1015,22 @@
         <a:bodyPr/>
         <a:lstStyle/>
         <a:p>
+          <a:pPr>
+            <a:lnSpc>
+              <a:spcPct val="100000"/>
+            </a:lnSpc>
+          </a:pPr>
           <a:r>
-            <a:rPr lang="it-IT"/>
+            <a:rPr lang="it-IT" dirty="0"/>
             <a:t>OS/161: </a:t>
           </a:r>
           <a:r>
-            <a:rPr lang="it-IT">
-              <a:hlinkClick xmlns:r="http://schemas.openxmlformats.org/officeDocument/2006/relationships" r:id="rId2"/>
+            <a:rPr lang="it-IT" dirty="0">
+              <a:hlinkClick xmlns:r="http://schemas.openxmlformats.org/officeDocument/2006/relationships" r:id="rId1"/>
             </a:rPr>
             <a:t>http://www.os161.org/</a:t>
           </a:r>
-          <a:endParaRPr lang="en-US"/>
+          <a:endParaRPr lang="en-US" dirty="0"/>
         </a:p>
       </dgm:t>
     </dgm:pt>
@@ -1040,19 +1063,24 @@
         <a:bodyPr/>
         <a:lstStyle/>
         <a:p>
+          <a:pPr>
+            <a:lnSpc>
+              <a:spcPct val="100000"/>
+            </a:lnSpc>
+          </a:pPr>
           <a:r>
-            <a:rPr lang="it-IT"/>
+            <a:rPr lang="it-IT" dirty="0"/>
             <a:t>Linux Kernel: “</a:t>
           </a:r>
           <a:r>
-            <a:rPr lang="it-IT" err="1"/>
+            <a:rPr lang="it-IT" dirty="0" err="1"/>
             <a:t>Understanding</a:t>
           </a:r>
           <a:r>
-            <a:rPr lang="it-IT"/>
+            <a:rPr lang="it-IT" dirty="0"/>
             <a:t> the Linux Kernel, Third Edition 3rd Edition”, M. Cesati, D. P. Bovet</a:t>
           </a:r>
-          <a:endParaRPr lang="en-US"/>
+          <a:endParaRPr lang="en-US" dirty="0"/>
         </a:p>
       </dgm:t>
     </dgm:pt>
@@ -1086,19 +1114,22 @@
         <a:lstStyle/>
         <a:p>
           <a:pPr>
+            <a:lnSpc>
+              <a:spcPct val="100000"/>
+            </a:lnSpc>
             <a:defRPr b="1"/>
           </a:pPr>
           <a:r>
-            <a:rPr lang="it-IT"/>
+            <a:rPr lang="it-IT" dirty="0"/>
             <a:t>Credits and Thanks:</a:t>
           </a:r>
           <a:r>
-            <a:rPr lang="it-IT">
+            <a:rPr lang="it-IT" dirty="0">
               <a:latin typeface="Gill Sans MT" panose="020B0502020104020203"/>
             </a:rPr>
             <a:t> </a:t>
           </a:r>
-          <a:endParaRPr lang="en-US"/>
+          <a:endParaRPr lang="en-US" dirty="0"/>
         </a:p>
       </dgm:t>
     </dgm:pt>
@@ -1131,19 +1162,26 @@
         <a:bodyPr/>
         <a:lstStyle/>
         <a:p>
+          <a:pPr>
+            <a:lnSpc>
+              <a:spcPct val="100000"/>
+            </a:lnSpc>
+          </a:pPr>
           <a:r>
-            <a:rPr lang="it-IT" err="1"/>
+            <a:rPr lang="it-IT" dirty="0" err="1"/>
             <a:t>All</a:t>
           </a:r>
           <a:r>
-            <a:rPr lang="it-IT"/>
+            <a:rPr lang="it-IT" dirty="0"/>
             <a:t> of the </a:t>
           </a:r>
           <a:r>
-            <a:rPr lang="it-IT" err="1"/>
-            <a:t>above</a:t>
+            <a:rPr lang="it-IT" dirty="0">
+              <a:latin typeface="Gill Sans MT" panose="020B0502020104020203"/>
+            </a:rPr>
+            <a:t>previous</a:t>
           </a:r>
-          <a:endParaRPr lang="en-US" err="1"/>
+          <a:endParaRPr lang="en-US" dirty="0" err="1"/>
         </a:p>
       </dgm:t>
     </dgm:pt>
@@ -1177,19 +1215,30 @@
         <a:lstStyle/>
         <a:p>
           <a:pPr>
+            <a:lnSpc>
+              <a:spcPct val="100000"/>
+            </a:lnSpc>
             <a:defRPr b="1"/>
           </a:pPr>
           <a:r>
-            <a:rPr lang="it-IT"/>
-            <a:t>Copyright Licence:</a:t>
+            <a:rPr lang="it-IT" dirty="0"/>
+            <a:t>Copyright </a:t>
           </a:r>
           <a:r>
-            <a:rPr lang="it-IT">
+            <a:rPr lang="it-IT" dirty="0" err="1"/>
+            <a:t>Licence</a:t>
+          </a:r>
+          <a:r>
+            <a:rPr lang="it-IT" dirty="0"/>
+            <a:t>:</a:t>
+          </a:r>
+          <a:r>
+            <a:rPr lang="it-IT" dirty="0">
               <a:latin typeface="Gill Sans MT" panose="020B0502020104020203"/>
             </a:rPr>
             <a:t> </a:t>
           </a:r>
-          <a:endParaRPr lang="en-US">
+          <a:endParaRPr lang="en-US" dirty="0">
             <a:latin typeface="Gill Sans MT" panose="020B0502020104020203"/>
           </a:endParaRPr>
         </a:p>
@@ -1224,11 +1273,16 @@
         <a:bodyPr/>
         <a:lstStyle/>
         <a:p>
+          <a:pPr>
+            <a:lnSpc>
+              <a:spcPct val="100000"/>
+            </a:lnSpc>
+          </a:pPr>
           <a:r>
-            <a:rPr lang="it-IT"/>
+            <a:rPr lang="it-IT" dirty="0"/>
             <a:t>Creative Commons CC2023</a:t>
           </a:r>
-          <a:endParaRPr lang="en-US"/>
+          <a:endParaRPr lang="en-US" dirty="0"/>
         </a:p>
       </dgm:t>
     </dgm:pt>
@@ -1264,13 +1318,13 @@
       <dgm:prSet presAssocID="{95B74B8E-BF46-45F0-AA3B-9B8C7AADD9FC}" presName="iconRect" presStyleLbl="node1" presStyleIdx="0" presStyleCnt="3"/>
       <dgm:spPr>
         <a:blipFill>
-          <a:blip xmlns:r="http://schemas.openxmlformats.org/officeDocument/2006/relationships" r:embed="rId3">
+          <a:blip xmlns:r="http://schemas.openxmlformats.org/officeDocument/2006/relationships" r:embed="rId2">
             <a:extLst>
               <a:ext uri="{28A0092B-C50C-407E-A947-70E740481C1C}">
                 <a14:useLocalDpi xmlns:a14="http://schemas.microsoft.com/office/drawing/2010/main" val="0"/>
               </a:ext>
               <a:ext uri="{96DAC541-7B7A-43D3-8B79-37D633B846F1}">
-                <asvg:svgBlip xmlns:asvg="http://schemas.microsoft.com/office/drawing/2016/SVG/main" r:embed="rId4"/>
+                <asvg:svgBlip xmlns:asvg="http://schemas.microsoft.com/office/drawing/2016/SVG/main" r:embed="rId3"/>
               </a:ext>
             </a:extLst>
           </a:blip>
@@ -1323,13 +1377,13 @@
       <dgm:prSet presAssocID="{130B7427-C1A4-45B7-8912-D7A7B73722BD}" presName="iconRect" presStyleLbl="node1" presStyleIdx="1" presStyleCnt="3"/>
       <dgm:spPr>
         <a:blipFill>
-          <a:blip xmlns:r="http://schemas.openxmlformats.org/officeDocument/2006/relationships" r:embed="rId5">
+          <a:blip xmlns:r="http://schemas.openxmlformats.org/officeDocument/2006/relationships" r:embed="rId4">
             <a:extLst>
               <a:ext uri="{28A0092B-C50C-407E-A947-70E740481C1C}">
                 <a14:useLocalDpi xmlns:a14="http://schemas.microsoft.com/office/drawing/2010/main" val="0"/>
               </a:ext>
               <a:ext uri="{96DAC541-7B7A-43D3-8B79-37D633B846F1}">
-                <asvg:svgBlip xmlns:asvg="http://schemas.microsoft.com/office/drawing/2016/SVG/main" r:embed="rId6"/>
+                <asvg:svgBlip xmlns:asvg="http://schemas.microsoft.com/office/drawing/2016/SVG/main" r:embed="rId5"/>
               </a:ext>
             </a:extLst>
           </a:blip>
@@ -1382,13 +1436,13 @@
       <dgm:prSet presAssocID="{92571C8D-64DD-4E80-AC21-5D63DE3A4DC5}" presName="iconRect" presStyleLbl="node1" presStyleIdx="2" presStyleCnt="3"/>
       <dgm:spPr>
         <a:blipFill>
-          <a:blip xmlns:r="http://schemas.openxmlformats.org/officeDocument/2006/relationships" r:embed="rId7">
+          <a:blip xmlns:r="http://schemas.openxmlformats.org/officeDocument/2006/relationships" r:embed="rId6">
             <a:extLst>
               <a:ext uri="{28A0092B-C50C-407E-A947-70E740481C1C}">
                 <a14:useLocalDpi xmlns:a14="http://schemas.microsoft.com/office/drawing/2010/main" val="0"/>
               </a:ext>
               <a:ext uri="{96DAC541-7B7A-43D3-8B79-37D633B846F1}">
-                <asvg:svgBlip xmlns:asvg="http://schemas.microsoft.com/office/drawing/2016/SVG/main" r:embed="rId8"/>
+                <asvg:svgBlip xmlns:asvg="http://schemas.microsoft.com/office/drawing/2016/SVG/main" r:embed="rId7"/>
               </a:ext>
             </a:extLst>
           </a:blip>
@@ -1431,43 +1485,43 @@
     </dgm:pt>
   </dgm:ptLst>
   <dgm:cxnLst>
-    <dgm:cxn modelId="{F6153015-B824-4B48-9064-469742A7C178}" type="presOf" srcId="{95B74B8E-BF46-45F0-AA3B-9B8C7AADD9FC}" destId="{38D61B99-C922-44AE-B054-45726B824B12}" srcOrd="0" destOrd="0" presId="urn:microsoft.com/office/officeart/2018/5/layout/CenteredIconLabelDescriptionList"/>
+    <dgm:cxn modelId="{0FA89516-823F-4B1A-8A14-FC6E0C65E23E}" type="presOf" srcId="{6BE5200B-71AE-4D2A-963B-06BAA8E50666}" destId="{420765C4-FDE2-4FC0-84F0-F871DDBF974B}" srcOrd="0" destOrd="0" presId="urn:microsoft.com/office/officeart/2018/5/layout/CenteredIconLabelDescriptionList"/>
     <dgm:cxn modelId="{1F14AF1B-E209-436C-9362-DCF4AE65A04C}" srcId="{95B74B8E-BF46-45F0-AA3B-9B8C7AADD9FC}" destId="{CD0C2B99-AD72-484B-B771-69921F3C0E41}" srcOrd="2" destOrd="0" parTransId="{155E0981-2C9E-4AA7-931C-ED74F7E1346D}" sibTransId="{A3F54CF2-7820-4BA9-A656-85F2005DB8FB}"/>
     <dgm:cxn modelId="{6EF86B2F-23DA-47BD-8F11-D380C05CD9E3}" srcId="{95B74B8E-BF46-45F0-AA3B-9B8C7AADD9FC}" destId="{A02FBFA1-55E3-4427-B85E-2B2F75E64DBB}" srcOrd="0" destOrd="0" parTransId="{28031501-72A1-43B1-84B9-44E65E8E79D9}" sibTransId="{6D3E68DF-5005-4D84-BA29-4164ED5E0AEE}"/>
     <dgm:cxn modelId="{0280A539-006E-488D-886D-8ED58404086E}" type="presOf" srcId="{73D02362-3D01-45E9-8FCD-91AF06AC06CA}" destId="{9B1339B0-6FBF-4CAC-B8C1-2D1F819B7EE0}" srcOrd="0" destOrd="0" presId="urn:microsoft.com/office/officeart/2018/5/layout/CenteredIconLabelDescriptionList"/>
-    <dgm:cxn modelId="{516A203F-FDBB-427B-8185-E9625FDFD337}" type="presOf" srcId="{60138E9A-DF95-419E-9451-A9A42E0D79B4}" destId="{32AAB3A6-98AD-4721-8B76-ED058B92CA3F}" srcOrd="0" destOrd="0" presId="urn:microsoft.com/office/officeart/2018/5/layout/CenteredIconLabelDescriptionList"/>
-    <dgm:cxn modelId="{A9B50871-EBC8-4DF7-9BEB-35A116757391}" type="presOf" srcId="{6BE5200B-71AE-4D2A-963B-06BAA8E50666}" destId="{420765C4-FDE2-4FC0-84F0-F871DDBF974B}" srcOrd="0" destOrd="0" presId="urn:microsoft.com/office/officeart/2018/5/layout/CenteredIconLabelDescriptionList"/>
-    <dgm:cxn modelId="{C618AB58-1616-401C-B93E-1675D58D707C}" type="presOf" srcId="{CD0C2B99-AD72-484B-B771-69921F3C0E41}" destId="{5FFBE124-ABE7-4DE1-984E-C9A839FD4089}" srcOrd="0" destOrd="2" presId="urn:microsoft.com/office/officeart/2018/5/layout/CenteredIconLabelDescriptionList"/>
+    <dgm:cxn modelId="{FF391E6B-5361-4068-83AF-4B0CF8DDBB75}" type="presOf" srcId="{60138E9A-DF95-419E-9451-A9A42E0D79B4}" destId="{32AAB3A6-98AD-4721-8B76-ED058B92CA3F}" srcOrd="0" destOrd="0" presId="urn:microsoft.com/office/officeart/2018/5/layout/CenteredIconLabelDescriptionList"/>
+    <dgm:cxn modelId="{40E6CB4D-2BC3-41F2-8FBD-08215794F109}" type="presOf" srcId="{149CD3D9-2729-499A-9636-D5BBAF36C25B}" destId="{5FFBE124-ABE7-4DE1-984E-C9A839FD4089}" srcOrd="0" destOrd="1" presId="urn:microsoft.com/office/officeart/2018/5/layout/CenteredIconLabelDescriptionList"/>
+    <dgm:cxn modelId="{21AE098A-8B00-4E3B-B38C-80AD65FBCB9D}" type="presOf" srcId="{A02FBFA1-55E3-4427-B85E-2B2F75E64DBB}" destId="{5FFBE124-ABE7-4DE1-984E-C9A839FD4089}" srcOrd="0" destOrd="0" presId="urn:microsoft.com/office/officeart/2018/5/layout/CenteredIconLabelDescriptionList"/>
     <dgm:cxn modelId="{D90ADE93-E24B-462B-986C-21973C0879A7}" srcId="{95B74B8E-BF46-45F0-AA3B-9B8C7AADD9FC}" destId="{149CD3D9-2729-499A-9636-D5BBAF36C25B}" srcOrd="1" destOrd="0" parTransId="{1180C461-0801-46FC-87CA-FB120ADEDB14}" sibTransId="{E2606232-A06F-469D-AB61-9A8BA6C4546B}"/>
-    <dgm:cxn modelId="{05F44F9A-21FB-4CEF-AED9-781D87C50DD6}" type="presOf" srcId="{130B7427-C1A4-45B7-8912-D7A7B73722BD}" destId="{A03846A4-9C94-4128-82C8-C2146248D8FE}" srcOrd="0" destOrd="0" presId="urn:microsoft.com/office/officeart/2018/5/layout/CenteredIconLabelDescriptionList"/>
     <dgm:cxn modelId="{F484269C-45AB-429E-8DB9-1F2A249EF38B}" srcId="{92571C8D-64DD-4E80-AC21-5D63DE3A4DC5}" destId="{60138E9A-DF95-419E-9451-A9A42E0D79B4}" srcOrd="0" destOrd="0" parTransId="{6827D8B6-8C7D-47A7-B2C7-B7297F3A1F9F}" sibTransId="{6A4F8AA3-F477-48A6-97CE-D5CFDBFF5A2D}"/>
+    <dgm:cxn modelId="{00713AB6-9ADB-4637-9725-ED02DE47B7A7}" type="presOf" srcId="{95B74B8E-BF46-45F0-AA3B-9B8C7AADD9FC}" destId="{38D61B99-C922-44AE-B054-45726B824B12}" srcOrd="0" destOrd="0" presId="urn:microsoft.com/office/officeart/2018/5/layout/CenteredIconLabelDescriptionList"/>
+    <dgm:cxn modelId="{EA8035B9-50D2-406A-91FA-33080DB76117}" type="presOf" srcId="{CD0C2B99-AD72-484B-B771-69921F3C0E41}" destId="{5FFBE124-ABE7-4DE1-984E-C9A839FD4089}" srcOrd="0" destOrd="2" presId="urn:microsoft.com/office/officeart/2018/5/layout/CenteredIconLabelDescriptionList"/>
+    <dgm:cxn modelId="{C227FCC5-83EA-42FC-98BF-747CDDA06D3E}" type="presOf" srcId="{92571C8D-64DD-4E80-AC21-5D63DE3A4DC5}" destId="{264FA485-238E-4BFD-AB3E-607B9B2E4CF7}" srcOrd="0" destOrd="0" presId="urn:microsoft.com/office/officeart/2018/5/layout/CenteredIconLabelDescriptionList"/>
     <dgm:cxn modelId="{56481BC8-EDC1-4281-AE0D-DC9EF93EB24F}" srcId="{130B7427-C1A4-45B7-8912-D7A7B73722BD}" destId="{6BE5200B-71AE-4D2A-963B-06BAA8E50666}" srcOrd="0" destOrd="0" parTransId="{371B3EDB-E72F-48F0-8D5C-8AA3477B073A}" sibTransId="{7EA2334F-C227-46C9-BF30-57320895FF24}"/>
-    <dgm:cxn modelId="{F02E00DE-9944-443C-A66F-46C3C5A34020}" type="presOf" srcId="{A02FBFA1-55E3-4427-B85E-2B2F75E64DBB}" destId="{5FFBE124-ABE7-4DE1-984E-C9A839FD4089}" srcOrd="0" destOrd="0" presId="urn:microsoft.com/office/officeart/2018/5/layout/CenteredIconLabelDescriptionList"/>
     <dgm:cxn modelId="{934D39DF-4D3B-4AC2-8B4E-4B093B81D8B7}" srcId="{73D02362-3D01-45E9-8FCD-91AF06AC06CA}" destId="{130B7427-C1A4-45B7-8912-D7A7B73722BD}" srcOrd="1" destOrd="0" parTransId="{8740D98B-6865-4452-92EB-0D014A3BFE5B}" sibTransId="{6DC4EF41-0FE5-4875-9FC3-E4C137B69871}"/>
     <dgm:cxn modelId="{53BCA0E3-BBF6-49E7-93C6-A284EB7D4BFF}" srcId="{73D02362-3D01-45E9-8FCD-91AF06AC06CA}" destId="{95B74B8E-BF46-45F0-AA3B-9B8C7AADD9FC}" srcOrd="0" destOrd="0" parTransId="{3E9CDF75-3AB8-4574-BACE-ED72C5E53600}" sibTransId="{CEABFF2F-9FE8-4AC1-84E2-F6B170E22884}"/>
-    <dgm:cxn modelId="{9FB9A6E3-853B-4AA1-A025-A2CAB92DF1C6}" type="presOf" srcId="{149CD3D9-2729-499A-9636-D5BBAF36C25B}" destId="{5FFBE124-ABE7-4DE1-984E-C9A839FD4089}" srcOrd="0" destOrd="1" presId="urn:microsoft.com/office/officeart/2018/5/layout/CenteredIconLabelDescriptionList"/>
     <dgm:cxn modelId="{C7762CF1-F41A-493A-A80C-E29D8F1701E3}" srcId="{73D02362-3D01-45E9-8FCD-91AF06AC06CA}" destId="{92571C8D-64DD-4E80-AC21-5D63DE3A4DC5}" srcOrd="2" destOrd="0" parTransId="{ABCCAA1B-FCCE-455B-A276-7B856A861EDB}" sibTransId="{1854FF51-4B82-436E-AC45-8EDADCB9CAC4}"/>
-    <dgm:cxn modelId="{62BD67F7-B727-444C-A814-7677B0DBFE08}" type="presOf" srcId="{92571C8D-64DD-4E80-AC21-5D63DE3A4DC5}" destId="{264FA485-238E-4BFD-AB3E-607B9B2E4CF7}" srcOrd="0" destOrd="0" presId="urn:microsoft.com/office/officeart/2018/5/layout/CenteredIconLabelDescriptionList"/>
-    <dgm:cxn modelId="{CA9EEADA-2947-4A62-A8D6-5CBC067D3C65}" type="presParOf" srcId="{9B1339B0-6FBF-4CAC-B8C1-2D1F819B7EE0}" destId="{7F15EA1D-9F93-4846-9733-A640DE2410C9}" srcOrd="0" destOrd="0" presId="urn:microsoft.com/office/officeart/2018/5/layout/CenteredIconLabelDescriptionList"/>
-    <dgm:cxn modelId="{E92D0F31-CA58-402F-AB92-D211CBD9ED0E}" type="presParOf" srcId="{7F15EA1D-9F93-4846-9733-A640DE2410C9}" destId="{B195A37D-6F68-4BB5-9A52-C325D8F9AB41}" srcOrd="0" destOrd="0" presId="urn:microsoft.com/office/officeart/2018/5/layout/CenteredIconLabelDescriptionList"/>
-    <dgm:cxn modelId="{F11EE2AB-CD4F-49E6-AF7C-C15D505E1950}" type="presParOf" srcId="{7F15EA1D-9F93-4846-9733-A640DE2410C9}" destId="{9F2B8B30-3009-4EF4-9980-CCA4392DB54F}" srcOrd="1" destOrd="0" presId="urn:microsoft.com/office/officeart/2018/5/layout/CenteredIconLabelDescriptionList"/>
-    <dgm:cxn modelId="{ED602D28-F3BC-468B-B1DF-AB6F0BC35141}" type="presParOf" srcId="{7F15EA1D-9F93-4846-9733-A640DE2410C9}" destId="{38D61B99-C922-44AE-B054-45726B824B12}" srcOrd="2" destOrd="0" presId="urn:microsoft.com/office/officeart/2018/5/layout/CenteredIconLabelDescriptionList"/>
-    <dgm:cxn modelId="{09E9D852-255B-406B-8F42-0B51C553E744}" type="presParOf" srcId="{7F15EA1D-9F93-4846-9733-A640DE2410C9}" destId="{B97BA402-A986-4FFD-8DC5-3DD3B3318A87}" srcOrd="3" destOrd="0" presId="urn:microsoft.com/office/officeart/2018/5/layout/CenteredIconLabelDescriptionList"/>
-    <dgm:cxn modelId="{984D0E18-657D-40A1-B17E-B8E48AFF4FED}" type="presParOf" srcId="{7F15EA1D-9F93-4846-9733-A640DE2410C9}" destId="{5FFBE124-ABE7-4DE1-984E-C9A839FD4089}" srcOrd="4" destOrd="0" presId="urn:microsoft.com/office/officeart/2018/5/layout/CenteredIconLabelDescriptionList"/>
-    <dgm:cxn modelId="{C64F7170-A2E8-451F-A0E2-DF3113CFDD8D}" type="presParOf" srcId="{9B1339B0-6FBF-4CAC-B8C1-2D1F819B7EE0}" destId="{D00451B2-376A-4AAB-B66B-22CF3C1B30C9}" srcOrd="1" destOrd="0" presId="urn:microsoft.com/office/officeart/2018/5/layout/CenteredIconLabelDescriptionList"/>
-    <dgm:cxn modelId="{BD61DEAC-ADDB-45D7-89F8-46599D705565}" type="presParOf" srcId="{9B1339B0-6FBF-4CAC-B8C1-2D1F819B7EE0}" destId="{3180FDE2-7329-4CB1-91B7-669D2AC3EDB9}" srcOrd="2" destOrd="0" presId="urn:microsoft.com/office/officeart/2018/5/layout/CenteredIconLabelDescriptionList"/>
-    <dgm:cxn modelId="{B6D7F593-C9FD-4160-8002-5B75634B75B0}" type="presParOf" srcId="{3180FDE2-7329-4CB1-91B7-669D2AC3EDB9}" destId="{D056E12C-C0C6-43A5-B70D-6F013F07B5A2}" srcOrd="0" destOrd="0" presId="urn:microsoft.com/office/officeart/2018/5/layout/CenteredIconLabelDescriptionList"/>
-    <dgm:cxn modelId="{ABF551E9-8818-4A9B-BEE6-9BFB0D983AFB}" type="presParOf" srcId="{3180FDE2-7329-4CB1-91B7-669D2AC3EDB9}" destId="{670C6FEB-2F63-4861-AAC2-97966ABD18B9}" srcOrd="1" destOrd="0" presId="urn:microsoft.com/office/officeart/2018/5/layout/CenteredIconLabelDescriptionList"/>
-    <dgm:cxn modelId="{1A583CBA-4D86-45AE-B4FD-E9D1A6867C87}" type="presParOf" srcId="{3180FDE2-7329-4CB1-91B7-669D2AC3EDB9}" destId="{A03846A4-9C94-4128-82C8-C2146248D8FE}" srcOrd="2" destOrd="0" presId="urn:microsoft.com/office/officeart/2018/5/layout/CenteredIconLabelDescriptionList"/>
-    <dgm:cxn modelId="{1004087B-164E-489E-A968-8FE884B302FB}" type="presParOf" srcId="{3180FDE2-7329-4CB1-91B7-669D2AC3EDB9}" destId="{0151948B-47EE-470B-86DF-B3D918A8BAD5}" srcOrd="3" destOrd="0" presId="urn:microsoft.com/office/officeart/2018/5/layout/CenteredIconLabelDescriptionList"/>
-    <dgm:cxn modelId="{60EA3F16-5B23-4CAE-A99E-29F8565F950A}" type="presParOf" srcId="{3180FDE2-7329-4CB1-91B7-669D2AC3EDB9}" destId="{420765C4-FDE2-4FC0-84F0-F871DDBF974B}" srcOrd="4" destOrd="0" presId="urn:microsoft.com/office/officeart/2018/5/layout/CenteredIconLabelDescriptionList"/>
-    <dgm:cxn modelId="{A10D9ACB-39EC-4E5D-B3E0-055B32919A7A}" type="presParOf" srcId="{9B1339B0-6FBF-4CAC-B8C1-2D1F819B7EE0}" destId="{7CECFA15-1C7A-4095-9747-BE7279297D33}" srcOrd="3" destOrd="0" presId="urn:microsoft.com/office/officeart/2018/5/layout/CenteredIconLabelDescriptionList"/>
-    <dgm:cxn modelId="{D44F3B1B-4B43-4B77-9A27-6C308B1E161B}" type="presParOf" srcId="{9B1339B0-6FBF-4CAC-B8C1-2D1F819B7EE0}" destId="{AF1FD9D5-AAC3-46C1-ADE0-AEC3D6334CD2}" srcOrd="4" destOrd="0" presId="urn:microsoft.com/office/officeart/2018/5/layout/CenteredIconLabelDescriptionList"/>
-    <dgm:cxn modelId="{C847CD93-7606-4E37-B9D0-71635123962D}" type="presParOf" srcId="{AF1FD9D5-AAC3-46C1-ADE0-AEC3D6334CD2}" destId="{5CD93740-B453-4613-BA78-AAA1E9F828BE}" srcOrd="0" destOrd="0" presId="urn:microsoft.com/office/officeart/2018/5/layout/CenteredIconLabelDescriptionList"/>
-    <dgm:cxn modelId="{7FCB88C1-46E8-42C0-AA4B-BBF754E0127E}" type="presParOf" srcId="{AF1FD9D5-AAC3-46C1-ADE0-AEC3D6334CD2}" destId="{7D195786-549D-4ACA-8B47-F4F2B1E96058}" srcOrd="1" destOrd="0" presId="urn:microsoft.com/office/officeart/2018/5/layout/CenteredIconLabelDescriptionList"/>
-    <dgm:cxn modelId="{708180B4-A88A-4734-B69D-8B5094AA0EEB}" type="presParOf" srcId="{AF1FD9D5-AAC3-46C1-ADE0-AEC3D6334CD2}" destId="{264FA485-238E-4BFD-AB3E-607B9B2E4CF7}" srcOrd="2" destOrd="0" presId="urn:microsoft.com/office/officeart/2018/5/layout/CenteredIconLabelDescriptionList"/>
-    <dgm:cxn modelId="{5FF8C6AE-BD48-43BF-A9D6-A2E36BA5F4E5}" type="presParOf" srcId="{AF1FD9D5-AAC3-46C1-ADE0-AEC3D6334CD2}" destId="{3EC53C7F-7F3B-41A2-8529-F55D1BF53499}" srcOrd="3" destOrd="0" presId="urn:microsoft.com/office/officeart/2018/5/layout/CenteredIconLabelDescriptionList"/>
-    <dgm:cxn modelId="{2912E947-E201-4EE4-9BE1-6616A476B599}" type="presParOf" srcId="{AF1FD9D5-AAC3-46C1-ADE0-AEC3D6334CD2}" destId="{32AAB3A6-98AD-4721-8B76-ED058B92CA3F}" srcOrd="4" destOrd="0" presId="urn:microsoft.com/office/officeart/2018/5/layout/CenteredIconLabelDescriptionList"/>
+    <dgm:cxn modelId="{5C8120FB-D404-46D5-9982-A663692E7F51}" type="presOf" srcId="{130B7427-C1A4-45B7-8912-D7A7B73722BD}" destId="{A03846A4-9C94-4128-82C8-C2146248D8FE}" srcOrd="0" destOrd="0" presId="urn:microsoft.com/office/officeart/2018/5/layout/CenteredIconLabelDescriptionList"/>
+    <dgm:cxn modelId="{9ECEDE1B-1E3B-43DF-825B-01FB1DAA42E1}" type="presParOf" srcId="{9B1339B0-6FBF-4CAC-B8C1-2D1F819B7EE0}" destId="{7F15EA1D-9F93-4846-9733-A640DE2410C9}" srcOrd="0" destOrd="0" presId="urn:microsoft.com/office/officeart/2018/5/layout/CenteredIconLabelDescriptionList"/>
+    <dgm:cxn modelId="{55A0CAFD-68D9-4EDF-885E-B72D84971E39}" type="presParOf" srcId="{7F15EA1D-9F93-4846-9733-A640DE2410C9}" destId="{B195A37D-6F68-4BB5-9A52-C325D8F9AB41}" srcOrd="0" destOrd="0" presId="urn:microsoft.com/office/officeart/2018/5/layout/CenteredIconLabelDescriptionList"/>
+    <dgm:cxn modelId="{F3EB1259-7F92-47D9-BDF9-33395622D6B1}" type="presParOf" srcId="{7F15EA1D-9F93-4846-9733-A640DE2410C9}" destId="{9F2B8B30-3009-4EF4-9980-CCA4392DB54F}" srcOrd="1" destOrd="0" presId="urn:microsoft.com/office/officeart/2018/5/layout/CenteredIconLabelDescriptionList"/>
+    <dgm:cxn modelId="{7FD3AAAB-9D4E-4644-9896-F6CC1566404B}" type="presParOf" srcId="{7F15EA1D-9F93-4846-9733-A640DE2410C9}" destId="{38D61B99-C922-44AE-B054-45726B824B12}" srcOrd="2" destOrd="0" presId="urn:microsoft.com/office/officeart/2018/5/layout/CenteredIconLabelDescriptionList"/>
+    <dgm:cxn modelId="{8F4C9981-0E51-4414-90C6-ECDEEC6D406B}" type="presParOf" srcId="{7F15EA1D-9F93-4846-9733-A640DE2410C9}" destId="{B97BA402-A986-4FFD-8DC5-3DD3B3318A87}" srcOrd="3" destOrd="0" presId="urn:microsoft.com/office/officeart/2018/5/layout/CenteredIconLabelDescriptionList"/>
+    <dgm:cxn modelId="{5DA22757-EAE9-4B77-8E7E-E481757239FD}" type="presParOf" srcId="{7F15EA1D-9F93-4846-9733-A640DE2410C9}" destId="{5FFBE124-ABE7-4DE1-984E-C9A839FD4089}" srcOrd="4" destOrd="0" presId="urn:microsoft.com/office/officeart/2018/5/layout/CenteredIconLabelDescriptionList"/>
+    <dgm:cxn modelId="{4B40210F-F72D-432B-B290-C328BE115E45}" type="presParOf" srcId="{9B1339B0-6FBF-4CAC-B8C1-2D1F819B7EE0}" destId="{D00451B2-376A-4AAB-B66B-22CF3C1B30C9}" srcOrd="1" destOrd="0" presId="urn:microsoft.com/office/officeart/2018/5/layout/CenteredIconLabelDescriptionList"/>
+    <dgm:cxn modelId="{172A663F-EFAF-4996-B75A-B4A07F924B60}" type="presParOf" srcId="{9B1339B0-6FBF-4CAC-B8C1-2D1F819B7EE0}" destId="{3180FDE2-7329-4CB1-91B7-669D2AC3EDB9}" srcOrd="2" destOrd="0" presId="urn:microsoft.com/office/officeart/2018/5/layout/CenteredIconLabelDescriptionList"/>
+    <dgm:cxn modelId="{89D4B527-A5E2-447F-B0A2-AFB3726E67E7}" type="presParOf" srcId="{3180FDE2-7329-4CB1-91B7-669D2AC3EDB9}" destId="{D056E12C-C0C6-43A5-B70D-6F013F07B5A2}" srcOrd="0" destOrd="0" presId="urn:microsoft.com/office/officeart/2018/5/layout/CenteredIconLabelDescriptionList"/>
+    <dgm:cxn modelId="{792FCC27-D1A9-4F53-A3E1-8AE16550811B}" type="presParOf" srcId="{3180FDE2-7329-4CB1-91B7-669D2AC3EDB9}" destId="{670C6FEB-2F63-4861-AAC2-97966ABD18B9}" srcOrd="1" destOrd="0" presId="urn:microsoft.com/office/officeart/2018/5/layout/CenteredIconLabelDescriptionList"/>
+    <dgm:cxn modelId="{BDA6F90F-4F4C-40C6-AF53-AE821F41B6DF}" type="presParOf" srcId="{3180FDE2-7329-4CB1-91B7-669D2AC3EDB9}" destId="{A03846A4-9C94-4128-82C8-C2146248D8FE}" srcOrd="2" destOrd="0" presId="urn:microsoft.com/office/officeart/2018/5/layout/CenteredIconLabelDescriptionList"/>
+    <dgm:cxn modelId="{107AA2E8-DA2B-469E-8901-F57AD5F6EC8D}" type="presParOf" srcId="{3180FDE2-7329-4CB1-91B7-669D2AC3EDB9}" destId="{0151948B-47EE-470B-86DF-B3D918A8BAD5}" srcOrd="3" destOrd="0" presId="urn:microsoft.com/office/officeart/2018/5/layout/CenteredIconLabelDescriptionList"/>
+    <dgm:cxn modelId="{5BA36077-321C-4C6A-83A9-E7C177945540}" type="presParOf" srcId="{3180FDE2-7329-4CB1-91B7-669D2AC3EDB9}" destId="{420765C4-FDE2-4FC0-84F0-F871DDBF974B}" srcOrd="4" destOrd="0" presId="urn:microsoft.com/office/officeart/2018/5/layout/CenteredIconLabelDescriptionList"/>
+    <dgm:cxn modelId="{1DCA9D3C-C20A-4837-9226-F8E51F8811E6}" type="presParOf" srcId="{9B1339B0-6FBF-4CAC-B8C1-2D1F819B7EE0}" destId="{7CECFA15-1C7A-4095-9747-BE7279297D33}" srcOrd="3" destOrd="0" presId="urn:microsoft.com/office/officeart/2018/5/layout/CenteredIconLabelDescriptionList"/>
+    <dgm:cxn modelId="{AEED94A3-3FF3-4A81-BF91-0B56DA4D5992}" type="presParOf" srcId="{9B1339B0-6FBF-4CAC-B8C1-2D1F819B7EE0}" destId="{AF1FD9D5-AAC3-46C1-ADE0-AEC3D6334CD2}" srcOrd="4" destOrd="0" presId="urn:microsoft.com/office/officeart/2018/5/layout/CenteredIconLabelDescriptionList"/>
+    <dgm:cxn modelId="{ED46B112-A702-497A-A38E-49FE40F6B77D}" type="presParOf" srcId="{AF1FD9D5-AAC3-46C1-ADE0-AEC3D6334CD2}" destId="{5CD93740-B453-4613-BA78-AAA1E9F828BE}" srcOrd="0" destOrd="0" presId="urn:microsoft.com/office/officeart/2018/5/layout/CenteredIconLabelDescriptionList"/>
+    <dgm:cxn modelId="{CBA8C81D-5D74-40A7-8F48-8B6E49E708BB}" type="presParOf" srcId="{AF1FD9D5-AAC3-46C1-ADE0-AEC3D6334CD2}" destId="{7D195786-549D-4ACA-8B47-F4F2B1E96058}" srcOrd="1" destOrd="0" presId="urn:microsoft.com/office/officeart/2018/5/layout/CenteredIconLabelDescriptionList"/>
+    <dgm:cxn modelId="{E4E19B83-C1F9-4E14-9A3C-6374C9E8089D}" type="presParOf" srcId="{AF1FD9D5-AAC3-46C1-ADE0-AEC3D6334CD2}" destId="{264FA485-238E-4BFD-AB3E-607B9B2E4CF7}" srcOrd="2" destOrd="0" presId="urn:microsoft.com/office/officeart/2018/5/layout/CenteredIconLabelDescriptionList"/>
+    <dgm:cxn modelId="{9AC31E35-BBCF-4FC0-947B-60E845897F1E}" type="presParOf" srcId="{AF1FD9D5-AAC3-46C1-ADE0-AEC3D6334CD2}" destId="{3EC53C7F-7F3B-41A2-8529-F55D1BF53499}" srcOrd="3" destOrd="0" presId="urn:microsoft.com/office/officeart/2018/5/layout/CenteredIconLabelDescriptionList"/>
+    <dgm:cxn modelId="{A01C6114-37E9-4C18-92D8-5000EFAAE11F}" type="presParOf" srcId="{AF1FD9D5-AAC3-46C1-ADE0-AEC3D6334CD2}" destId="{32AAB3A6-98AD-4721-8B76-ED058B92CA3F}" srcOrd="4" destOrd="0" presId="urn:microsoft.com/office/officeart/2018/5/layout/CenteredIconLabelDescriptionList"/>
   </dgm:cxnLst>
   <dgm:bg/>
   <dgm:whole/>
@@ -1494,8 +1548,8 @@
       </dsp:nvSpPr>
       <dsp:spPr>
         <a:xfrm>
-          <a:off x="1072463" y="128956"/>
-          <a:ext cx="1151718" cy="1151718"/>
+          <a:off x="1076801" y="0"/>
+          <a:ext cx="1150594" cy="1084170"/>
         </a:xfrm>
         <a:prstGeom prst="rect">
           <a:avLst/>
@@ -1543,8 +1597,8 @@
       </dsp:nvSpPr>
       <dsp:spPr>
         <a:xfrm>
-          <a:off x="3010" y="1427751"/>
-          <a:ext cx="3290624" cy="493593"/>
+          <a:off x="8393" y="1233206"/>
+          <a:ext cx="3287411" cy="464644"/>
         </a:xfrm>
         <a:prstGeom prst="rect">
           <a:avLst/>
@@ -1575,7 +1629,7 @@
         <a:p>
           <a:pPr marL="0" lvl="0" indent="0" algn="ctr" defTabSz="1200150">
             <a:lnSpc>
-              <a:spcPct val="90000"/>
+              <a:spcPct val="100000"/>
             </a:lnSpc>
             <a:spcBef>
               <a:spcPct val="0"/>
@@ -1587,15 +1641,15 @@
             <a:defRPr b="1"/>
           </a:pPr>
           <a:r>
-            <a:rPr lang="it-IT" sz="2700" kern="1200"/>
+            <a:rPr lang="it-IT" sz="2700" kern="1200" dirty="0"/>
             <a:t>Sources:</a:t>
           </a:r>
-          <a:endParaRPr lang="en-US" sz="2700" kern="1200"/>
+          <a:endParaRPr lang="en-US" sz="2700" kern="1200" dirty="0"/>
         </a:p>
       </dsp:txBody>
       <dsp:txXfrm>
-        <a:off x="3010" y="1427751"/>
-        <a:ext cx="3290624" cy="493593"/>
+        <a:off x="8393" y="1233206"/>
+        <a:ext cx="3287411" cy="464644"/>
       </dsp:txXfrm>
     </dsp:sp>
     <dsp:sp modelId="{5FFBE124-ABE7-4DE1-984E-C9A839FD4089}">
@@ -1605,8 +1659,8 @@
       </dsp:nvSpPr>
       <dsp:spPr>
         <a:xfrm>
-          <a:off x="3010" y="1989753"/>
-          <a:ext cx="3290624" cy="1559593"/>
+          <a:off x="8393" y="1767169"/>
+          <a:ext cx="3287411" cy="1911133"/>
         </a:xfrm>
         <a:prstGeom prst="rect">
           <a:avLst/>
@@ -1637,7 +1691,7 @@
         <a:p>
           <a:pPr marL="0" lvl="0" indent="0" algn="ctr" defTabSz="755650">
             <a:lnSpc>
-              <a:spcPct val="90000"/>
+              <a:spcPct val="100000"/>
             </a:lnSpc>
             <a:spcBef>
               <a:spcPct val="0"/>
@@ -1648,25 +1702,35 @@
             <a:buNone/>
           </a:pPr>
           <a:r>
-            <a:rPr lang="it-IT" sz="1700" kern="1200" err="1"/>
+            <a:rPr lang="it-IT" sz="1700" kern="1200" dirty="0" err="1"/>
             <a:t>MentOS</a:t>
           </a:r>
           <a:r>
-            <a:rPr lang="it-IT" sz="1700" kern="1200"/>
+            <a:rPr lang="it-IT" sz="1700" kern="1200" dirty="0"/>
             <a:t>: </a:t>
           </a:r>
           <a:r>
-            <a:rPr lang="it-IT" sz="1700" kern="1200">
-              <a:hlinkClick xmlns:r="http://schemas.openxmlformats.org/officeDocument/2006/relationships" r:id="rId3"/>
+            <a:rPr lang="it-IT" sz="1700" u="sng" kern="1200" dirty="0">
+              <a:latin typeface="Calibri"/>
+              <a:ea typeface="Calibri"/>
+              <a:cs typeface="Calibri"/>
+              <a:hlinkClick xmlns:r="http://schemas.openxmlformats.org/officeDocument/2006/relationships" r:id=""/>
             </a:rPr>
-            <a:t>https://mentos-team.github.io/</a:t>
+            <a:t>https://mentos-team.github.io/doc/doxygen/index.html</a:t>
           </a:r>
-          <a:endParaRPr lang="en-US" sz="1700" kern="1200"/>
+          <a:endParaRPr lang="it-IT" sz="1700" kern="1200" dirty="0">
+            <a:solidFill>
+              <a:srgbClr val="000000"/>
+            </a:solidFill>
+            <a:latin typeface="Calibri"/>
+            <a:ea typeface="Calibri"/>
+            <a:cs typeface="Calibri"/>
+          </a:endParaRPr>
         </a:p>
         <a:p>
           <a:pPr marL="0" lvl="0" indent="0" algn="ctr" defTabSz="755650">
             <a:lnSpc>
-              <a:spcPct val="90000"/>
+              <a:spcPct val="100000"/>
             </a:lnSpc>
             <a:spcBef>
               <a:spcPct val="0"/>
@@ -1677,21 +1741,21 @@
             <a:buNone/>
           </a:pPr>
           <a:r>
-            <a:rPr lang="it-IT" sz="1700" kern="1200"/>
+            <a:rPr lang="it-IT" sz="1700" kern="1200" dirty="0"/>
             <a:t>OS/161: </a:t>
           </a:r>
           <a:r>
-            <a:rPr lang="it-IT" sz="1700" kern="1200">
-              <a:hlinkClick xmlns:r="http://schemas.openxmlformats.org/officeDocument/2006/relationships" r:id="rId4"/>
+            <a:rPr lang="it-IT" sz="1700" kern="1200" dirty="0">
+              <a:hlinkClick xmlns:r="http://schemas.openxmlformats.org/officeDocument/2006/relationships" r:id="rId3"/>
             </a:rPr>
             <a:t>http://www.os161.org/</a:t>
           </a:r>
-          <a:endParaRPr lang="en-US" sz="1700" kern="1200"/>
+          <a:endParaRPr lang="en-US" sz="1700" kern="1200" dirty="0"/>
         </a:p>
         <a:p>
           <a:pPr marL="0" lvl="0" indent="0" algn="ctr" defTabSz="755650">
             <a:lnSpc>
-              <a:spcPct val="90000"/>
+              <a:spcPct val="100000"/>
             </a:lnSpc>
             <a:spcBef>
               <a:spcPct val="0"/>
@@ -1702,23 +1766,23 @@
             <a:buNone/>
           </a:pPr>
           <a:r>
-            <a:rPr lang="it-IT" sz="1700" kern="1200"/>
+            <a:rPr lang="it-IT" sz="1700" kern="1200" dirty="0"/>
             <a:t>Linux Kernel: “</a:t>
           </a:r>
           <a:r>
-            <a:rPr lang="it-IT" sz="1700" kern="1200" err="1"/>
+            <a:rPr lang="it-IT" sz="1700" kern="1200" dirty="0" err="1"/>
             <a:t>Understanding</a:t>
           </a:r>
           <a:r>
-            <a:rPr lang="it-IT" sz="1700" kern="1200"/>
+            <a:rPr lang="it-IT" sz="1700" kern="1200" dirty="0"/>
             <a:t> the Linux Kernel, Third Edition 3rd Edition”, M. Cesati, D. P. Bovet</a:t>
           </a:r>
-          <a:endParaRPr lang="en-US" sz="1700" kern="1200"/>
+          <a:endParaRPr lang="en-US" sz="1700" kern="1200" dirty="0"/>
         </a:p>
       </dsp:txBody>
       <dsp:txXfrm>
-        <a:off x="3010" y="1989753"/>
-        <a:ext cx="3290624" cy="1559593"/>
+        <a:off x="8393" y="1767169"/>
+        <a:ext cx="3287411" cy="1911133"/>
       </dsp:txXfrm>
     </dsp:sp>
     <dsp:sp modelId="{D056E12C-C0C6-43A5-B70D-6F013F07B5A2}">
@@ -1728,20 +1792,20 @@
       </dsp:nvSpPr>
       <dsp:spPr>
         <a:xfrm>
-          <a:off x="4938948" y="128956"/>
-          <a:ext cx="1151718" cy="1151718"/>
+          <a:off x="4939510" y="0"/>
+          <a:ext cx="1150594" cy="1084170"/>
         </a:xfrm>
         <a:prstGeom prst="rect">
           <a:avLst/>
         </a:prstGeom>
         <a:blipFill>
-          <a:blip xmlns:r="http://schemas.openxmlformats.org/officeDocument/2006/relationships" r:embed="rId5">
+          <a:blip xmlns:r="http://schemas.openxmlformats.org/officeDocument/2006/relationships" r:embed="rId4">
             <a:extLst>
               <a:ext uri="{28A0092B-C50C-407E-A947-70E740481C1C}">
                 <a14:useLocalDpi xmlns:a14="http://schemas.microsoft.com/office/drawing/2010/main" val="0"/>
               </a:ext>
               <a:ext uri="{96DAC541-7B7A-43D3-8B79-37D633B846F1}">
-                <asvg:svgBlip xmlns:asvg="http://schemas.microsoft.com/office/drawing/2016/SVG/main" r:embed="rId6"/>
+                <asvg:svgBlip xmlns:asvg="http://schemas.microsoft.com/office/drawing/2016/SVG/main" r:embed="rId5"/>
               </a:ext>
             </a:extLst>
           </a:blip>
@@ -1777,8 +1841,8 @@
       </dsp:nvSpPr>
       <dsp:spPr>
         <a:xfrm>
-          <a:off x="3869495" y="1427751"/>
-          <a:ext cx="3290624" cy="493593"/>
+          <a:off x="3871101" y="1233206"/>
+          <a:ext cx="3287411" cy="464644"/>
         </a:xfrm>
         <a:prstGeom prst="rect">
           <a:avLst/>
@@ -1809,7 +1873,7 @@
         <a:p>
           <a:pPr marL="0" lvl="0" indent="0" algn="ctr" defTabSz="1200150">
             <a:lnSpc>
-              <a:spcPct val="90000"/>
+              <a:spcPct val="100000"/>
             </a:lnSpc>
             <a:spcBef>
               <a:spcPct val="0"/>
@@ -1821,21 +1885,21 @@
             <a:defRPr b="1"/>
           </a:pPr>
           <a:r>
-            <a:rPr lang="it-IT" sz="2700" kern="1200"/>
+            <a:rPr lang="it-IT" sz="2700" kern="1200" dirty="0"/>
             <a:t>Credits and Thanks:</a:t>
           </a:r>
           <a:r>
-            <a:rPr lang="it-IT" sz="2700" kern="1200">
+            <a:rPr lang="it-IT" sz="2700" kern="1200" dirty="0">
               <a:latin typeface="Gill Sans MT" panose="020B0502020104020203"/>
             </a:rPr>
             <a:t> </a:t>
           </a:r>
-          <a:endParaRPr lang="en-US" sz="2700" kern="1200"/>
+          <a:endParaRPr lang="en-US" sz="2700" kern="1200" dirty="0"/>
         </a:p>
       </dsp:txBody>
       <dsp:txXfrm>
-        <a:off x="3869495" y="1427751"/>
-        <a:ext cx="3290624" cy="493593"/>
+        <a:off x="3871101" y="1233206"/>
+        <a:ext cx="3287411" cy="464644"/>
       </dsp:txXfrm>
     </dsp:sp>
     <dsp:sp modelId="{420765C4-FDE2-4FC0-84F0-F871DDBF974B}">
@@ -1845,8 +1909,8 @@
       </dsp:nvSpPr>
       <dsp:spPr>
         <a:xfrm>
-          <a:off x="3869495" y="1989753"/>
-          <a:ext cx="3290624" cy="1559593"/>
+          <a:off x="3871101" y="1767169"/>
+          <a:ext cx="3287411" cy="1911133"/>
         </a:xfrm>
         <a:prstGeom prst="rect">
           <a:avLst/>
@@ -1877,7 +1941,7 @@
         <a:p>
           <a:pPr marL="0" lvl="0" indent="0" algn="ctr" defTabSz="755650">
             <a:lnSpc>
-              <a:spcPct val="90000"/>
+              <a:spcPct val="100000"/>
             </a:lnSpc>
             <a:spcBef>
               <a:spcPct val="0"/>
@@ -1888,23 +1952,25 @@
             <a:buNone/>
           </a:pPr>
           <a:r>
-            <a:rPr lang="it-IT" sz="1700" kern="1200" err="1"/>
+            <a:rPr lang="it-IT" sz="1700" kern="1200" dirty="0" err="1"/>
             <a:t>All</a:t>
           </a:r>
           <a:r>
-            <a:rPr lang="it-IT" sz="1700" kern="1200"/>
+            <a:rPr lang="it-IT" sz="1700" kern="1200" dirty="0"/>
             <a:t> of the </a:t>
           </a:r>
           <a:r>
-            <a:rPr lang="it-IT" sz="1700" kern="1200" err="1"/>
-            <a:t>above</a:t>
+            <a:rPr lang="it-IT" sz="1700" kern="1200" dirty="0">
+              <a:latin typeface="Gill Sans MT" panose="020B0502020104020203"/>
+            </a:rPr>
+            <a:t>previous</a:t>
           </a:r>
-          <a:endParaRPr lang="en-US" sz="1700" kern="1200" err="1"/>
+          <a:endParaRPr lang="en-US" sz="1700" kern="1200" dirty="0" err="1"/>
         </a:p>
       </dsp:txBody>
       <dsp:txXfrm>
-        <a:off x="3869495" y="1989753"/>
-        <a:ext cx="3290624" cy="1559593"/>
+        <a:off x="3871101" y="1767169"/>
+        <a:ext cx="3287411" cy="1911133"/>
       </dsp:txXfrm>
     </dsp:sp>
     <dsp:sp modelId="{5CD93740-B453-4613-BA78-AAA1E9F828BE}">
@@ -1914,20 +1980,20 @@
       </dsp:nvSpPr>
       <dsp:spPr>
         <a:xfrm>
-          <a:off x="8805432" y="128956"/>
-          <a:ext cx="1151718" cy="1151718"/>
+          <a:off x="8802218" y="0"/>
+          <a:ext cx="1150594" cy="1084170"/>
         </a:xfrm>
         <a:prstGeom prst="rect">
           <a:avLst/>
         </a:prstGeom>
         <a:blipFill>
-          <a:blip xmlns:r="http://schemas.openxmlformats.org/officeDocument/2006/relationships" r:embed="rId7">
+          <a:blip xmlns:r="http://schemas.openxmlformats.org/officeDocument/2006/relationships" r:embed="rId6">
             <a:extLst>
               <a:ext uri="{28A0092B-C50C-407E-A947-70E740481C1C}">
                 <a14:useLocalDpi xmlns:a14="http://schemas.microsoft.com/office/drawing/2010/main" val="0"/>
               </a:ext>
               <a:ext uri="{96DAC541-7B7A-43D3-8B79-37D633B846F1}">
-                <asvg:svgBlip xmlns:asvg="http://schemas.microsoft.com/office/drawing/2016/SVG/main" r:embed="rId8"/>
+                <asvg:svgBlip xmlns:asvg="http://schemas.microsoft.com/office/drawing/2016/SVG/main" r:embed="rId7"/>
               </a:ext>
             </a:extLst>
           </a:blip>
@@ -1963,8 +2029,8 @@
       </dsp:nvSpPr>
       <dsp:spPr>
         <a:xfrm>
-          <a:off x="7735979" y="1427751"/>
-          <a:ext cx="3290624" cy="493593"/>
+          <a:off x="7733810" y="1233206"/>
+          <a:ext cx="3287411" cy="464644"/>
         </a:xfrm>
         <a:prstGeom prst="rect">
           <a:avLst/>
@@ -1995,7 +2061,7 @@
         <a:p>
           <a:pPr marL="0" lvl="0" indent="0" algn="ctr" defTabSz="1200150">
             <a:lnSpc>
-              <a:spcPct val="90000"/>
+              <a:spcPct val="100000"/>
             </a:lnSpc>
             <a:spcBef>
               <a:spcPct val="0"/>
@@ -2007,23 +2073,31 @@
             <a:defRPr b="1"/>
           </a:pPr>
           <a:r>
-            <a:rPr lang="it-IT" sz="2700" kern="1200"/>
-            <a:t>Copyright Licence:</a:t>
+            <a:rPr lang="it-IT" sz="2700" kern="1200" dirty="0"/>
+            <a:t>Copyright </a:t>
           </a:r>
           <a:r>
-            <a:rPr lang="it-IT" sz="2700" kern="1200">
+            <a:rPr lang="it-IT" sz="2700" kern="1200" dirty="0" err="1"/>
+            <a:t>Licence</a:t>
+          </a:r>
+          <a:r>
+            <a:rPr lang="it-IT" sz="2700" kern="1200" dirty="0"/>
+            <a:t>:</a:t>
+          </a:r>
+          <a:r>
+            <a:rPr lang="it-IT" sz="2700" kern="1200" dirty="0">
               <a:latin typeface="Gill Sans MT" panose="020B0502020104020203"/>
             </a:rPr>
             <a:t> </a:t>
           </a:r>
-          <a:endParaRPr lang="en-US" sz="2700" kern="1200">
+          <a:endParaRPr lang="en-US" sz="2700" kern="1200" dirty="0">
             <a:latin typeface="Gill Sans MT" panose="020B0502020104020203"/>
           </a:endParaRPr>
         </a:p>
       </dsp:txBody>
       <dsp:txXfrm>
-        <a:off x="7735979" y="1427751"/>
-        <a:ext cx="3290624" cy="493593"/>
+        <a:off x="7733810" y="1233206"/>
+        <a:ext cx="3287411" cy="464644"/>
       </dsp:txXfrm>
     </dsp:sp>
     <dsp:sp modelId="{32AAB3A6-98AD-4721-8B76-ED058B92CA3F}">
@@ -2033,8 +2107,8 @@
       </dsp:nvSpPr>
       <dsp:spPr>
         <a:xfrm>
-          <a:off x="7735979" y="1989753"/>
-          <a:ext cx="3290624" cy="1559593"/>
+          <a:off x="7733810" y="1767169"/>
+          <a:ext cx="3287411" cy="1911133"/>
         </a:xfrm>
         <a:prstGeom prst="rect">
           <a:avLst/>
@@ -2065,7 +2139,7 @@
         <a:p>
           <a:pPr marL="0" lvl="0" indent="0" algn="ctr" defTabSz="755650">
             <a:lnSpc>
-              <a:spcPct val="90000"/>
+              <a:spcPct val="100000"/>
             </a:lnSpc>
             <a:spcBef>
               <a:spcPct val="0"/>
@@ -2076,15 +2150,15 @@
             <a:buNone/>
           </a:pPr>
           <a:r>
-            <a:rPr lang="it-IT" sz="1700" kern="1200"/>
+            <a:rPr lang="it-IT" sz="1700" kern="1200" dirty="0"/>
             <a:t>Creative Commons CC2023</a:t>
           </a:r>
-          <a:endParaRPr lang="en-US" sz="1700" kern="1200"/>
+          <a:endParaRPr lang="en-US" sz="1700" kern="1200" dirty="0"/>
         </a:p>
       </dsp:txBody>
       <dsp:txXfrm>
-        <a:off x="7735979" y="1989753"/>
-        <a:ext cx="3290624" cy="1559593"/>
+        <a:off x="7733810" y="1767169"/>
+        <a:ext cx="3287411" cy="1911133"/>
       </dsp:txXfrm>
     </dsp:sp>
   </dsp:spTree>
@@ -3420,7 +3494,7 @@
           <a:p>
             <a:fld id="{52A8C91D-1C30-49A1-B6C0-B2A9BC12C44C}" type="datetimeFigureOut">
               <a:rPr lang="it-IT" smtClean="0"/>
-              <a:t>24/08/2023</a:t>
+              <a:t>25/08/2023</a:t>
             </a:fld>
             <a:endParaRPr lang="it-IT"/>
           </a:p>
@@ -3598,7 +3672,7 @@
           <a:p>
             <a:fld id="{7CFB70B6-FB36-47A1-936C-90CB98895F23}" type="datetimeFigureOut">
               <a:rPr lang="it-IT" noProof="0" smtClean="0"/>
-              <a:t>24/08/2023</a:t>
+              <a:t>25/08/2023</a:t>
             </a:fld>
             <a:endParaRPr lang="it-IT" noProof="0"/>
           </a:p>
@@ -4278,7 +4352,7 @@
             <a:fld id="{B61BEF0D-F0BB-DE4B-95CE-6DB70DBA9567}" type="datetimeFigureOut">
               <a:rPr lang="en-US" dirty="0"/>
               <a:pPr/>
-              <a:t>8/24/2023</a:t>
+              <a:t>8/25/2023</a:t>
             </a:fld>
             <a:endParaRPr lang="en-US" dirty="0"/>
           </a:p>
@@ -4540,7 +4614,7 @@
             <a:fld id="{B61BEF0D-F0BB-DE4B-95CE-6DB70DBA9567}" type="datetimeFigureOut">
               <a:rPr lang="en-US" dirty="0"/>
               <a:pPr/>
-              <a:t>8/24/2023</a:t>
+              <a:t>8/25/2023</a:t>
             </a:fld>
             <a:endParaRPr lang="en-US" dirty="0"/>
           </a:p>
@@ -4775,7 +4849,7 @@
             <a:fld id="{B61BEF0D-F0BB-DE4B-95CE-6DB70DBA9567}" type="datetimeFigureOut">
               <a:rPr lang="en-US" dirty="0"/>
               <a:pPr/>
-              <a:t>8/24/2023</a:t>
+              <a:t>8/25/2023</a:t>
             </a:fld>
             <a:endParaRPr lang="en-US" dirty="0"/>
           </a:p>
@@ -5015,7 +5089,7 @@
             <a:fld id="{B61BEF0D-F0BB-DE4B-95CE-6DB70DBA9567}" type="datetimeFigureOut">
               <a:rPr lang="en-US" dirty="0"/>
               <a:pPr/>
-              <a:t>8/24/2023</a:t>
+              <a:t>8/25/2023</a:t>
             </a:fld>
             <a:endParaRPr lang="en-US" dirty="0"/>
           </a:p>
@@ -5323,7 +5397,7 @@
             <a:fld id="{B61BEF0D-F0BB-DE4B-95CE-6DB70DBA9567}" type="datetimeFigureOut">
               <a:rPr lang="en-US" dirty="0"/>
               <a:pPr/>
-              <a:t>8/24/2023</a:t>
+              <a:t>8/25/2023</a:t>
             </a:fld>
             <a:endParaRPr lang="en-US" dirty="0"/>
           </a:p>
@@ -5624,7 +5698,7 @@
             <a:fld id="{B61BEF0D-F0BB-DE4B-95CE-6DB70DBA9567}" type="datetimeFigureOut">
               <a:rPr lang="en-US" dirty="0"/>
               <a:pPr/>
-              <a:t>8/24/2023</a:t>
+              <a:t>8/25/2023</a:t>
             </a:fld>
             <a:endParaRPr lang="en-US" dirty="0"/>
           </a:p>
@@ -6045,7 +6119,7 @@
             <a:fld id="{B61BEF0D-F0BB-DE4B-95CE-6DB70DBA9567}" type="datetimeFigureOut">
               <a:rPr lang="en-US" dirty="0"/>
               <a:pPr/>
-              <a:t>8/24/2023</a:t>
+              <a:t>8/25/2023</a:t>
             </a:fld>
             <a:endParaRPr lang="en-US" dirty="0"/>
           </a:p>
@@ -6208,7 +6282,7 @@
             <a:fld id="{B61BEF0D-F0BB-DE4B-95CE-6DB70DBA9567}" type="datetimeFigureOut">
               <a:rPr lang="en-US" dirty="0"/>
               <a:pPr/>
-              <a:t>8/24/2023</a:t>
+              <a:t>8/25/2023</a:t>
             </a:fld>
             <a:endParaRPr lang="en-US" dirty="0"/>
           </a:p>
@@ -6305,7 +6379,7 @@
             <a:fld id="{B61BEF0D-F0BB-DE4B-95CE-6DB70DBA9567}" type="datetimeFigureOut">
               <a:rPr lang="en-US" dirty="0"/>
               <a:pPr/>
-              <a:t>8/24/2023</a:t>
+              <a:t>8/25/2023</a:t>
             </a:fld>
             <a:endParaRPr lang="en-US" dirty="0"/>
           </a:p>
@@ -6683,7 +6757,7 @@
             <a:fld id="{B61BEF0D-F0BB-DE4B-95CE-6DB70DBA9567}" type="datetimeFigureOut">
               <a:rPr lang="en-US" dirty="0"/>
               <a:pPr/>
-              <a:t>8/24/2023</a:t>
+              <a:t>8/25/2023</a:t>
             </a:fld>
             <a:endParaRPr lang="en-US" dirty="0"/>
           </a:p>
@@ -6969,7 +7043,7 @@
             <a:fld id="{B61BEF0D-F0BB-DE4B-95CE-6DB70DBA9567}" type="datetimeFigureOut">
               <a:rPr lang="en-US" dirty="0"/>
               <a:pPr/>
-              <a:t>8/24/2023</a:t>
+              <a:t>8/25/2023</a:t>
             </a:fld>
             <a:endParaRPr lang="en-US" dirty="0"/>
           </a:p>
@@ -7208,7 +7282,7 @@
             <a:fld id="{B61BEF0D-F0BB-DE4B-95CE-6DB70DBA9567}" type="datetimeFigureOut">
               <a:rPr lang="en-US" dirty="0"/>
               <a:pPr/>
-              <a:t>8/24/2023</a:t>
+              <a:t>8/25/2023</a:t>
             </a:fld>
             <a:endParaRPr lang="en-US" dirty="0"/>
           </a:p>

--- a/MentOS - Introduzione.pptx
+++ b/MentOS - Introduzione.pptx
@@ -971,7 +971,7 @@
               <a:latin typeface="Calibri"/>
               <a:ea typeface="Calibri"/>
               <a:cs typeface="Calibri"/>
-              <a:hlinkClick xmlns:r="http://schemas.openxmlformats.org/officeDocument/2006/relationships" r:id=""/>
+              <a:hlinkClick xmlns:r="http://schemas.openxmlformats.org/officeDocument/2006/relationships" r:id="" action="ppaction://noaction"/>
             </a:rPr>
             <a:t>https://mentos-team.github.io/doc/doxygen/index.html</a:t>
           </a:r>
@@ -1714,7 +1714,7 @@
               <a:latin typeface="Calibri"/>
               <a:ea typeface="Calibri"/>
               <a:cs typeface="Calibri"/>
-              <a:hlinkClick xmlns:r="http://schemas.openxmlformats.org/officeDocument/2006/relationships" r:id=""/>
+              <a:hlinkClick xmlns:r="http://schemas.openxmlformats.org/officeDocument/2006/relationships" r:id="" action="ppaction://noaction"/>
             </a:rPr>
             <a:t>https://mentos-team.github.io/doc/doxygen/index.html</a:t>
           </a:r>
@@ -3494,7 +3494,7 @@
           <a:p>
             <a:fld id="{52A8C91D-1C30-49A1-B6C0-B2A9BC12C44C}" type="datetimeFigureOut">
               <a:rPr lang="it-IT" smtClean="0"/>
-              <a:t>25/08/2023</a:t>
+              <a:t>29/08/2023</a:t>
             </a:fld>
             <a:endParaRPr lang="it-IT"/>
           </a:p>
@@ -3672,7 +3672,7 @@
           <a:p>
             <a:fld id="{7CFB70B6-FB36-47A1-936C-90CB98895F23}" type="datetimeFigureOut">
               <a:rPr lang="it-IT" noProof="0" smtClean="0"/>
-              <a:t>25/08/2023</a:t>
+              <a:t>29/08/2023</a:t>
             </a:fld>
             <a:endParaRPr lang="it-IT" noProof="0"/>
           </a:p>
@@ -4352,7 +4352,7 @@
             <a:fld id="{B61BEF0D-F0BB-DE4B-95CE-6DB70DBA9567}" type="datetimeFigureOut">
               <a:rPr lang="en-US" dirty="0"/>
               <a:pPr/>
-              <a:t>8/25/2023</a:t>
+              <a:t>8/29/2023</a:t>
             </a:fld>
             <a:endParaRPr lang="en-US" dirty="0"/>
           </a:p>
@@ -4614,7 +4614,7 @@
             <a:fld id="{B61BEF0D-F0BB-DE4B-95CE-6DB70DBA9567}" type="datetimeFigureOut">
               <a:rPr lang="en-US" dirty="0"/>
               <a:pPr/>
-              <a:t>8/25/2023</a:t>
+              <a:t>8/29/2023</a:t>
             </a:fld>
             <a:endParaRPr lang="en-US" dirty="0"/>
           </a:p>
@@ -4849,7 +4849,7 @@
             <a:fld id="{B61BEF0D-F0BB-DE4B-95CE-6DB70DBA9567}" type="datetimeFigureOut">
               <a:rPr lang="en-US" dirty="0"/>
               <a:pPr/>
-              <a:t>8/25/2023</a:t>
+              <a:t>8/29/2023</a:t>
             </a:fld>
             <a:endParaRPr lang="en-US" dirty="0"/>
           </a:p>
@@ -5089,7 +5089,7 @@
             <a:fld id="{B61BEF0D-F0BB-DE4B-95CE-6DB70DBA9567}" type="datetimeFigureOut">
               <a:rPr lang="en-US" dirty="0"/>
               <a:pPr/>
-              <a:t>8/25/2023</a:t>
+              <a:t>8/29/2023</a:t>
             </a:fld>
             <a:endParaRPr lang="en-US" dirty="0"/>
           </a:p>
@@ -5397,7 +5397,7 @@
             <a:fld id="{B61BEF0D-F0BB-DE4B-95CE-6DB70DBA9567}" type="datetimeFigureOut">
               <a:rPr lang="en-US" dirty="0"/>
               <a:pPr/>
-              <a:t>8/25/2023</a:t>
+              <a:t>8/29/2023</a:t>
             </a:fld>
             <a:endParaRPr lang="en-US" dirty="0"/>
           </a:p>
@@ -5698,7 +5698,7 @@
             <a:fld id="{B61BEF0D-F0BB-DE4B-95CE-6DB70DBA9567}" type="datetimeFigureOut">
               <a:rPr lang="en-US" dirty="0"/>
               <a:pPr/>
-              <a:t>8/25/2023</a:t>
+              <a:t>8/29/2023</a:t>
             </a:fld>
             <a:endParaRPr lang="en-US" dirty="0"/>
           </a:p>
@@ -6119,7 +6119,7 @@
             <a:fld id="{B61BEF0D-F0BB-DE4B-95CE-6DB70DBA9567}" type="datetimeFigureOut">
               <a:rPr lang="en-US" dirty="0"/>
               <a:pPr/>
-              <a:t>8/25/2023</a:t>
+              <a:t>8/29/2023</a:t>
             </a:fld>
             <a:endParaRPr lang="en-US" dirty="0"/>
           </a:p>
@@ -6282,7 +6282,7 @@
             <a:fld id="{B61BEF0D-F0BB-DE4B-95CE-6DB70DBA9567}" type="datetimeFigureOut">
               <a:rPr lang="en-US" dirty="0"/>
               <a:pPr/>
-              <a:t>8/25/2023</a:t>
+              <a:t>8/29/2023</a:t>
             </a:fld>
             <a:endParaRPr lang="en-US" dirty="0"/>
           </a:p>
@@ -6379,7 +6379,7 @@
             <a:fld id="{B61BEF0D-F0BB-DE4B-95CE-6DB70DBA9567}" type="datetimeFigureOut">
               <a:rPr lang="en-US" dirty="0"/>
               <a:pPr/>
-              <a:t>8/25/2023</a:t>
+              <a:t>8/29/2023</a:t>
             </a:fld>
             <a:endParaRPr lang="en-US" dirty="0"/>
           </a:p>
@@ -6757,7 +6757,7 @@
             <a:fld id="{B61BEF0D-F0BB-DE4B-95CE-6DB70DBA9567}" type="datetimeFigureOut">
               <a:rPr lang="en-US" dirty="0"/>
               <a:pPr/>
-              <a:t>8/25/2023</a:t>
+              <a:t>8/29/2023</a:t>
             </a:fld>
             <a:endParaRPr lang="en-US" dirty="0"/>
           </a:p>
@@ -7043,7 +7043,7 @@
             <a:fld id="{B61BEF0D-F0BB-DE4B-95CE-6DB70DBA9567}" type="datetimeFigureOut">
               <a:rPr lang="en-US" dirty="0"/>
               <a:pPr/>
-              <a:t>8/25/2023</a:t>
+              <a:t>8/29/2023</a:t>
             </a:fld>
             <a:endParaRPr lang="en-US" dirty="0"/>
           </a:p>
@@ -7282,7 +7282,7 @@
             <a:fld id="{B61BEF0D-F0BB-DE4B-95CE-6DB70DBA9567}" type="datetimeFigureOut">
               <a:rPr lang="en-US" dirty="0"/>
               <a:pPr/>
-              <a:t>8/25/2023</a:t>
+              <a:t>8/29/2023</a:t>
             </a:fld>
             <a:endParaRPr lang="en-US" dirty="0"/>
           </a:p>
@@ -8143,6 +8143,13 @@
             <a:schemeClr val="lt1"/>
           </a:fontRef>
         </p:style>
+        <p:txBody>
+          <a:bodyPr/>
+          <a:lstStyle/>
+          <a:p>
+            <a:endParaRPr lang="it-IT"/>
+          </a:p>
+        </p:txBody>
       </p:sp>
       <p:sp>
         <p:nvSpPr>
@@ -8179,7 +8186,7 @@
           <a:p>
             <a:pPr algn="ctr"/>
             <a:r>
-              <a:rPr lang="it-IT" sz="2400" err="1">
+              <a:rPr lang="it-IT" sz="2400" dirty="0" err="1">
                 <a:ea typeface="+mn-lt"/>
                 <a:cs typeface="+mn-lt"/>
               </a:rPr>
@@ -8226,7 +8233,7 @@
               <a:t>s319103 </a:t>
             </a:r>
             <a:r>
-              <a:rPr lang="it-IT" sz="2400" err="1">
+              <a:rPr lang="it-IT" sz="2400" dirty="0" err="1">
                 <a:ea typeface="+mn-lt"/>
                 <a:cs typeface="+mn-lt"/>
               </a:rPr>
@@ -8237,16 +8244,9 @@
                 <a:ea typeface="+mn-lt"/>
                 <a:cs typeface="+mn-lt"/>
               </a:rPr>
-              <a:t> </a:t>
-            </a:r>
-            <a:r>
-              <a:rPr lang="it-IT" sz="2400" err="1">
-                <a:ea typeface="+mn-lt"/>
-                <a:cs typeface="+mn-lt"/>
-              </a:rPr>
-              <a:t>Endri</a:t>
-            </a:r>
-            <a:endParaRPr lang="it-IT" sz="2400"/>
+              <a:t> Endri</a:t>
+            </a:r>
+            <a:endParaRPr lang="it-IT" sz="2400" dirty="0"/>
           </a:p>
         </p:txBody>
       </p:sp>
@@ -8374,7 +8374,7 @@
               </a:rPr>
               <a:t> (Mentoring Operating System) è un progetto italiano di un sistema operativo didattico open source scritto in C.</a:t>
             </a:r>
-            <a:endParaRPr lang="it-IT" sz="2400"/>
+            <a:endParaRPr lang="it-IT" sz="2400" dirty="0"/>
           </a:p>
           <a:p>
             <a:pPr marL="305435" indent="-305435"/>
@@ -8392,7 +8392,7 @@
               </a:rPr>
               <a:t> nasce con lo scopo di fornire un OS realistico e tuttavia semplice a sufficienza affinché studenti di tutto il mondo possano avvicinarsi alla programmazione di sistema, ampliando e modificando lo scheletro fornito.</a:t>
             </a:r>
-            <a:endParaRPr lang="it-IT" sz="2400"/>
+            <a:endParaRPr lang="it-IT" sz="2400" dirty="0"/>
           </a:p>
           <a:p>
             <a:pPr marL="305435" indent="-305435"/>
@@ -8415,7 +8415,7 @@
                 <a:ea typeface="+mn-lt"/>
                 <a:cs typeface="+mn-lt"/>
               </a:rPr>
-              <a:t> si prefigge inoltre di seguire le linee guida definite da Linux per quanto riguarda le strutture dati e gli algoritmi adottati</a:t>
+              <a:t> si prefigge inoltre di seguire le linee guida definite da Linux per quanto riguarda le strutture dati e gli algoritmi adottati.</a:t>
             </a:r>
             <a:endParaRPr lang="it-IT" sz="2400" dirty="0"/>
           </a:p>
@@ -8937,9 +8937,9 @@
                 <a:ea typeface="+mn-lt"/>
                 <a:cs typeface="+mn-lt"/>
               </a:rPr>
-              <a:t>) </a:t>
-            </a:r>
-            <a:endParaRPr lang="it-IT"/>
+              <a:t>) .</a:t>
+            </a:r>
+            <a:endParaRPr lang="it-IT" dirty="0"/>
           </a:p>
         </p:txBody>
       </p:sp>
@@ -9028,7 +9028,7 @@
                 <a:ea typeface="+mn-lt"/>
                 <a:cs typeface="+mn-lt"/>
               </a:rPr>
-              <a:t>Gestione degli interrupt/trap a basso livello</a:t>
+              <a:t>Gestione degli interrupt/trap a basso livello.</a:t>
             </a:r>
             <a:endParaRPr lang="it-IT" sz="2400" dirty="0"/>
           </a:p>
@@ -9053,7 +9053,7 @@
                 <a:ea typeface="+mn-lt"/>
                 <a:cs typeface="+mn-lt"/>
               </a:rPr>
-              <a:t>, video, mouse)</a:t>
+              <a:t>, video, mouse).</a:t>
             </a:r>
             <a:endParaRPr lang="it-IT" sz="2400" dirty="0"/>
           </a:p>
@@ -9383,9 +9383,9 @@
                 <a:ea typeface="+mn-lt"/>
                 <a:cs typeface="+mn-lt"/>
               </a:rPr>
-              <a:t>Molteplici implementazioni per il file system </a:t>
-            </a:r>
-            <a:endParaRPr lang="it-IT" sz="2000"/>
+              <a:t>Molteplici implementazioni per il file system:</a:t>
+            </a:r>
+            <a:endParaRPr lang="it-IT" sz="2000" dirty="0"/>
           </a:p>
           <a:p>
             <a:pPr marL="629920" lvl="1" indent="-305435"/>
@@ -9396,18 +9396,18 @@
               </a:rPr>
               <a:t>VFS</a:t>
             </a:r>
-            <a:endParaRPr lang="it-IT" sz="2000" i="1"/>
+            <a:endParaRPr lang="it-IT" sz="2000" i="1" dirty="0"/>
           </a:p>
           <a:p>
             <a:pPr marL="629920" lvl="1" indent="-305435"/>
             <a:r>
-              <a:rPr lang="it-IT" sz="2000" i="1" err="1">
+              <a:rPr lang="it-IT" sz="2000" i="1" dirty="0" err="1">
                 <a:ea typeface="+mn-lt"/>
                 <a:cs typeface="+mn-lt"/>
               </a:rPr>
               <a:t>Initramfs</a:t>
             </a:r>
-            <a:endParaRPr lang="it-IT" sz="2000" i="1"/>
+            <a:endParaRPr lang="it-IT" sz="2000" i="1" dirty="0"/>
           </a:p>
           <a:p>
             <a:pPr marL="629920" lvl="1" indent="-305435"/>
@@ -9418,7 +9418,7 @@
               </a:rPr>
               <a:t>EXT2</a:t>
             </a:r>
-            <a:endParaRPr lang="it-IT" sz="2000" i="1"/>
+            <a:endParaRPr lang="it-IT" sz="2000" i="1" dirty="0"/>
           </a:p>
           <a:p>
             <a:pPr marL="629920" lvl="1" indent="-305435"/>
@@ -9430,7 +9430,7 @@
               <a:t>Fa inoltre uso di </a:t>
             </a:r>
             <a:r>
-              <a:rPr lang="it-IT" sz="2000" i="1" err="1">
+              <a:rPr lang="it-IT" sz="2000" i="1" dirty="0" err="1">
                 <a:ea typeface="+mn-lt"/>
                 <a:cs typeface="+mn-lt"/>
               </a:rPr>
@@ -9444,7 +9444,7 @@
               <a:t> (“</a:t>
             </a:r>
             <a:r>
-              <a:rPr lang="it-IT" sz="2000" err="1">
+              <a:rPr lang="it-IT" sz="2000" dirty="0" err="1">
                 <a:ea typeface="+mn-lt"/>
                 <a:cs typeface="+mn-lt"/>
               </a:rPr>
@@ -9457,7 +9457,7 @@
               </a:rPr>
               <a:t> speciale” per informazioni su processi e sistema in strutture simili a file)</a:t>
             </a:r>
-            <a:endParaRPr lang="it-IT" sz="2000"/>
+            <a:endParaRPr lang="it-IT" sz="2000" dirty="0"/>
           </a:p>
           <a:p>
             <a:pPr marL="305435" indent="-305435"/>
@@ -9468,7 +9468,7 @@
               </a:rPr>
               <a:t>Diversi possibili algoritmi di scheduling:</a:t>
             </a:r>
-            <a:endParaRPr lang="it-IT" sz="2000"/>
+            <a:endParaRPr lang="it-IT" sz="2000" dirty="0"/>
           </a:p>
           <a:p>
             <a:pPr marL="629920" lvl="1" indent="-305435"/>
@@ -9480,7 +9480,7 @@
               <a:t>Round-</a:t>
             </a:r>
             <a:r>
-              <a:rPr lang="it-IT" sz="2000" i="1" err="1">
+              <a:rPr lang="it-IT" sz="2000" i="1" dirty="0" err="1">
                 <a:ea typeface="+mn-lt"/>
                 <a:cs typeface="+mn-lt"/>
               </a:rPr>
@@ -9493,12 +9493,12 @@
               </a:rPr>
               <a:t> (RR)</a:t>
             </a:r>
-            <a:endParaRPr lang="it-IT" sz="2000"/>
+            <a:endParaRPr lang="it-IT" sz="2000" dirty="0"/>
           </a:p>
           <a:p>
             <a:pPr marL="629920" lvl="1" indent="-305435"/>
             <a:r>
-              <a:rPr lang="it-IT" sz="2000" i="1" err="1">
+              <a:rPr lang="it-IT" sz="2000" i="1" dirty="0" err="1">
                 <a:ea typeface="+mn-lt"/>
                 <a:cs typeface="+mn-lt"/>
               </a:rPr>
@@ -9512,7 +9512,7 @@
               <a:t> Fair </a:t>
             </a:r>
             <a:r>
-              <a:rPr lang="it-IT" sz="2000" i="1" err="1">
+              <a:rPr lang="it-IT" sz="2000" i="1" dirty="0" err="1">
                 <a:ea typeface="+mn-lt"/>
                 <a:cs typeface="+mn-lt"/>
               </a:rPr>
@@ -9525,12 +9525,12 @@
               </a:rPr>
               <a:t> (CFS)</a:t>
             </a:r>
-            <a:endParaRPr lang="it-IT" sz="2000"/>
+            <a:endParaRPr lang="it-IT" sz="2000" dirty="0"/>
           </a:p>
           <a:p>
             <a:pPr marL="629920" lvl="1" indent="-305435"/>
             <a:r>
-              <a:rPr lang="it-IT" sz="2000" i="1" err="1">
+              <a:rPr lang="it-IT" sz="2000" i="1" dirty="0" err="1">
                 <a:ea typeface="+mn-lt"/>
                 <a:cs typeface="+mn-lt"/>
               </a:rPr>
@@ -9550,7 +9550,7 @@
               </a:rPr>
               <a:t> (EDF)</a:t>
             </a:r>
-            <a:endParaRPr lang="it-IT" sz="2000"/>
+            <a:endParaRPr lang="it-IT" sz="2000" dirty="0"/>
           </a:p>
           <a:p>
             <a:pPr marL="629920" lvl="1" indent="-305435"/>
@@ -9562,7 +9562,7 @@
               <a:t>Rate </a:t>
             </a:r>
             <a:r>
-              <a:rPr lang="it-IT" sz="2000" i="1" err="1">
+              <a:rPr lang="it-IT" sz="2000" i="1" dirty="0" err="1">
                 <a:ea typeface="+mn-lt"/>
                 <a:cs typeface="+mn-lt"/>
               </a:rPr>
@@ -9579,7 +9579,7 @@
           <a:p>
             <a:pPr marL="629920" lvl="1" indent="-305435"/>
             <a:r>
-              <a:rPr lang="it-IT" sz="2000" i="1" err="1">
+              <a:rPr lang="it-IT" sz="2000" i="1" dirty="0" err="1">
                 <a:ea typeface="+mn-lt"/>
                 <a:cs typeface="+mn-lt"/>
               </a:rPr>
@@ -9958,6 +9958,13 @@
             <a:schemeClr val="lt1"/>
           </a:fontRef>
         </p:style>
+        <p:txBody>
+          <a:bodyPr/>
+          <a:lstStyle/>
+          <a:p>
+            <a:endParaRPr lang="it-IT"/>
+          </a:p>
+        </p:txBody>
       </p:sp>
       <p:sp>
         <p:nvSpPr>
@@ -10080,6 +10087,13 @@
               <a:schemeClr val="lt1"/>
             </a:fontRef>
           </p:style>
+          <p:txBody>
+            <a:bodyPr/>
+            <a:lstStyle/>
+            <a:p>
+              <a:endParaRPr lang="it-IT"/>
+            </a:p>
+          </p:txBody>
         </p:sp>
         <p:sp>
           <p:nvSpPr>
@@ -10132,6 +10146,13 @@
               <a:schemeClr val="lt1"/>
             </a:fontRef>
           </p:style>
+          <p:txBody>
+            <a:bodyPr/>
+            <a:lstStyle/>
+            <a:p>
+              <a:endParaRPr lang="it-IT"/>
+            </a:p>
+          </p:txBody>
         </p:sp>
         <p:sp>
           <p:nvSpPr>
@@ -10184,6 +10205,13 @@
               <a:schemeClr val="lt1"/>
             </a:fontRef>
           </p:style>
+          <p:txBody>
+            <a:bodyPr/>
+            <a:lstStyle/>
+            <a:p>
+              <a:endParaRPr lang="it-IT"/>
+            </a:p>
+          </p:txBody>
         </p:sp>
       </p:grpSp>
       <p:graphicFrame>
